--- a/新的事將要成就 (崇拜版）.pptx
+++ b/新的事將要成就 (崇拜版）.pptx
@@ -106,6 +106,22 @@
       </a:defRPr>
     </a:lvl9pPr>
   </p:defaultTextStyle>
+  <p:extLst>
+    <p:ext uri="{EFAFB233-063F-42B5-8137-9DF3F51BA10A}">
+      <p15:sldGuideLst xmlns:p15="http://schemas.microsoft.com/office/powerpoint/2012/main">
+        <p15:guide id="1" orient="horz" pos="1620">
+          <p15:clr>
+            <a:srgbClr val="A4A3A4"/>
+          </p15:clr>
+        </p15:guide>
+        <p15:guide id="2" pos="2880">
+          <p15:clr>
+            <a:srgbClr val="A4A3A4"/>
+          </p15:clr>
+        </p15:guide>
+      </p15:sldGuideLst>
+    </p:ext>
+  </p:extLst>
 </p:presentation>
 </file>
 
@@ -290,7 +306,7 @@
           <a:p>
             <a:fld id="{79C76AA0-E53B-4B2B-8DE8-2014EA0F7230}" type="datetimeFigureOut">
               <a:rPr lang="en-US" smtClean="0"/>
-              <a:t>8/17/2019</a:t>
+              <a:t>2/6/2020</a:t>
             </a:fld>
             <a:endParaRPr lang="en-US"/>
           </a:p>
@@ -455,7 +471,7 @@
           <a:p>
             <a:fld id="{79C76AA0-E53B-4B2B-8DE8-2014EA0F7230}" type="datetimeFigureOut">
               <a:rPr lang="en-US" smtClean="0"/>
-              <a:t>8/17/2019</a:t>
+              <a:t>2/6/2020</a:t>
             </a:fld>
             <a:endParaRPr lang="en-US"/>
           </a:p>
@@ -630,7 +646,7 @@
           <a:p>
             <a:fld id="{79C76AA0-E53B-4B2B-8DE8-2014EA0F7230}" type="datetimeFigureOut">
               <a:rPr lang="en-US" smtClean="0"/>
-              <a:t>8/17/2019</a:t>
+              <a:t>2/6/2020</a:t>
             </a:fld>
             <a:endParaRPr lang="en-US"/>
           </a:p>
@@ -795,7 +811,7 @@
           <a:p>
             <a:fld id="{79C76AA0-E53B-4B2B-8DE8-2014EA0F7230}" type="datetimeFigureOut">
               <a:rPr lang="en-US" smtClean="0"/>
-              <a:t>8/17/2019</a:t>
+              <a:t>2/6/2020</a:t>
             </a:fld>
             <a:endParaRPr lang="en-US"/>
           </a:p>
@@ -1036,7 +1052,7 @@
           <a:p>
             <a:fld id="{79C76AA0-E53B-4B2B-8DE8-2014EA0F7230}" type="datetimeFigureOut">
               <a:rPr lang="en-US" smtClean="0"/>
-              <a:t>8/17/2019</a:t>
+              <a:t>2/6/2020</a:t>
             </a:fld>
             <a:endParaRPr lang="en-US"/>
           </a:p>
@@ -1319,7 +1335,7 @@
           <a:p>
             <a:fld id="{79C76AA0-E53B-4B2B-8DE8-2014EA0F7230}" type="datetimeFigureOut">
               <a:rPr lang="en-US" smtClean="0"/>
-              <a:t>8/17/2019</a:t>
+              <a:t>2/6/2020</a:t>
             </a:fld>
             <a:endParaRPr lang="en-US"/>
           </a:p>
@@ -1736,7 +1752,7 @@
           <a:p>
             <a:fld id="{79C76AA0-E53B-4B2B-8DE8-2014EA0F7230}" type="datetimeFigureOut">
               <a:rPr lang="en-US" smtClean="0"/>
-              <a:t>8/17/2019</a:t>
+              <a:t>2/6/2020</a:t>
             </a:fld>
             <a:endParaRPr lang="en-US"/>
           </a:p>
@@ -1849,7 +1865,7 @@
           <a:p>
             <a:fld id="{79C76AA0-E53B-4B2B-8DE8-2014EA0F7230}" type="datetimeFigureOut">
               <a:rPr lang="en-US" smtClean="0"/>
-              <a:t>8/17/2019</a:t>
+              <a:t>2/6/2020</a:t>
             </a:fld>
             <a:endParaRPr lang="en-US"/>
           </a:p>
@@ -1939,7 +1955,7 @@
           <a:p>
             <a:fld id="{79C76AA0-E53B-4B2B-8DE8-2014EA0F7230}" type="datetimeFigureOut">
               <a:rPr lang="en-US" smtClean="0"/>
-              <a:t>8/17/2019</a:t>
+              <a:t>2/6/2020</a:t>
             </a:fld>
             <a:endParaRPr lang="en-US"/>
           </a:p>
@@ -2211,7 +2227,7 @@
           <a:p>
             <a:fld id="{79C76AA0-E53B-4B2B-8DE8-2014EA0F7230}" type="datetimeFigureOut">
               <a:rPr lang="en-US" smtClean="0"/>
-              <a:t>8/17/2019</a:t>
+              <a:t>2/6/2020</a:t>
             </a:fld>
             <a:endParaRPr lang="en-US"/>
           </a:p>
@@ -2463,7 +2479,7 @@
           <a:p>
             <a:fld id="{79C76AA0-E53B-4B2B-8DE8-2014EA0F7230}" type="datetimeFigureOut">
               <a:rPr lang="en-US" smtClean="0"/>
-              <a:t>8/17/2019</a:t>
+              <a:t>2/6/2020</a:t>
             </a:fld>
             <a:endParaRPr lang="en-US"/>
           </a:p>
@@ -2676,7 +2692,7 @@
           <a:p>
             <a:fld id="{79C76AA0-E53B-4B2B-8DE8-2014EA0F7230}" type="datetimeFigureOut">
               <a:rPr lang="en-US" smtClean="0"/>
-              <a:t>8/17/2019</a:t>
+              <a:t>2/6/2020</a:t>
             </a:fld>
             <a:endParaRPr lang="en-US"/>
           </a:p>
@@ -3103,11 +3119,25 @@
               <a:buNone/>
             </a:pPr>
             <a:r>
+              <a:rPr lang="zh-CN" altLang="en-US" sz="4800" b="1" dirty="0">
+                <a:latin typeface="Microsoft JhengHei" pitchFamily="34" charset="-120"/>
+                <a:ea typeface="Microsoft JhengHei" pitchFamily="34" charset="-120"/>
+              </a:rPr>
+              <a:t>袮</a:t>
+            </a:r>
+            <a:r>
+              <a:rPr lang="zh-TW" altLang="en-US" sz="4800" b="1" dirty="0" smtClean="0">
+                <a:latin typeface="Microsoft JhengHei" pitchFamily="34" charset="-120"/>
+                <a:ea typeface="Microsoft JhengHei" pitchFamily="34" charset="-120"/>
+              </a:rPr>
+              <a:t>是</a:t>
+            </a:r>
+            <a:r>
               <a:rPr lang="zh-TW" altLang="en-US" sz="4800" b="1" dirty="0">
                 <a:latin typeface="Microsoft JhengHei" pitchFamily="34" charset="-120"/>
                 <a:ea typeface="Microsoft JhengHei" pitchFamily="34" charset="-120"/>
               </a:rPr>
-              <a:t>你是做新事的</a:t>
+              <a:t>做新事的</a:t>
             </a:r>
             <a:r>
               <a:rPr lang="zh-TW" altLang="en-US" sz="4800" b="1" dirty="0" smtClean="0">
@@ -3147,7 +3177,35 @@
                 <a:latin typeface="Microsoft JhengHei" pitchFamily="34" charset="-120"/>
                 <a:ea typeface="Microsoft JhengHei" pitchFamily="34" charset="-120"/>
               </a:rPr>
-              <a:t>要向你唱新</a:t>
+              <a:t>要</a:t>
+            </a:r>
+            <a:r>
+              <a:rPr lang="zh-TW" altLang="en-US" sz="4800" b="1" dirty="0" smtClean="0">
+                <a:latin typeface="Microsoft JhengHei" pitchFamily="34" charset="-120"/>
+                <a:ea typeface="Microsoft JhengHei" pitchFamily="34" charset="-120"/>
+              </a:rPr>
+              <a:t>向</a:t>
+            </a:r>
+            <a:r>
+              <a:rPr lang="zh-CN" altLang="en-US" sz="4800" b="1" dirty="0">
+                <a:latin typeface="Microsoft JhengHei" pitchFamily="34" charset="-120"/>
+                <a:ea typeface="Microsoft JhengHei" pitchFamily="34" charset="-120"/>
+              </a:rPr>
+              <a:t>袮</a:t>
+            </a:r>
+            <a:r>
+              <a:rPr lang="zh-TW" altLang="en-US" sz="4800" b="1" dirty="0" smtClean="0">
+                <a:latin typeface="Microsoft JhengHei" pitchFamily="34" charset="-120"/>
+                <a:ea typeface="Microsoft JhengHei" pitchFamily="34" charset="-120"/>
+              </a:rPr>
+              <a:t>唱</a:t>
+            </a:r>
+            <a:r>
+              <a:rPr lang="zh-TW" altLang="en-US" sz="4800" b="1" dirty="0">
+                <a:latin typeface="Microsoft JhengHei" pitchFamily="34" charset="-120"/>
+                <a:ea typeface="Microsoft JhengHei" pitchFamily="34" charset="-120"/>
+              </a:rPr>
+              <a:t>新</a:t>
             </a:r>
             <a:r>
               <a:rPr lang="zh-TW" altLang="en-US" sz="4800" b="1" dirty="0" smtClean="0">
@@ -3314,146 +3372,55 @@
                 <a:latin typeface="Microsoft JhengHei" pitchFamily="34" charset="-120"/>
                 <a:ea typeface="Microsoft JhengHei" pitchFamily="34" charset="-120"/>
               </a:rPr>
-              <a:t>新的</a:t>
-            </a:r>
+              <a:t>新的事  新的事將要成就</a:t>
+            </a:r>
+            <a:endParaRPr lang="en-US" altLang="zh-TW" sz="4800" b="1" dirty="0">
+              <a:latin typeface="Microsoft JhengHei" pitchFamily="34" charset="-120"/>
+              <a:ea typeface="Microsoft JhengHei" pitchFamily="34" charset="-120"/>
+            </a:endParaRPr>
+          </a:p>
+          <a:p>
+            <a:pPr marL="0" indent="0" algn="ctr">
+              <a:buNone/>
+            </a:pPr>
             <a:r>
               <a:rPr lang="zh-TW" altLang="en-US" sz="4800" b="1" dirty="0">
                 <a:latin typeface="Microsoft JhengHei" pitchFamily="34" charset="-120"/>
                 <a:ea typeface="Microsoft JhengHei" pitchFamily="34" charset="-120"/>
               </a:rPr>
-              <a:t>事  新</a:t>
-            </a:r>
+              <a:t>新的恩膏  新的恩寵</a:t>
+            </a:r>
+            <a:endParaRPr lang="en-US" altLang="zh-TW" sz="4800" b="1" dirty="0">
+              <a:latin typeface="Microsoft JhengHei" pitchFamily="34" charset="-120"/>
+              <a:ea typeface="Microsoft JhengHei" pitchFamily="34" charset="-120"/>
+            </a:endParaRPr>
+          </a:p>
+          <a:p>
+            <a:pPr marL="0" indent="0" algn="ctr">
+              <a:buNone/>
+            </a:pPr>
             <a:r>
               <a:rPr lang="zh-TW" altLang="en-US" sz="4800" b="1" dirty="0">
                 <a:latin typeface="Microsoft JhengHei" pitchFamily="34" charset="-120"/>
                 <a:ea typeface="Microsoft JhengHei" pitchFamily="34" charset="-120"/>
               </a:rPr>
-              <a:t>的事將要成</a:t>
-            </a:r>
+              <a:t>我們要  我們要唱新歌</a:t>
+            </a:r>
+            <a:endParaRPr lang="en-US" altLang="zh-TW" sz="4800" b="1" dirty="0">
+              <a:latin typeface="Microsoft JhengHei" pitchFamily="34" charset="-120"/>
+              <a:ea typeface="Microsoft JhengHei" pitchFamily="34" charset="-120"/>
+            </a:endParaRPr>
+          </a:p>
+          <a:p>
+            <a:pPr marL="0" indent="0" algn="ctr">
+              <a:buNone/>
+            </a:pPr>
             <a:r>
               <a:rPr lang="zh-TW" altLang="en-US" sz="4800" b="1" dirty="0">
                 <a:latin typeface="Microsoft JhengHei" pitchFamily="34" charset="-120"/>
                 <a:ea typeface="Microsoft JhengHei" pitchFamily="34" charset="-120"/>
               </a:rPr>
-              <a:t>就</a:t>
-            </a:r>
-            <a:endParaRPr lang="en-US" altLang="zh-TW" sz="4800" b="1" dirty="0">
-              <a:latin typeface="Microsoft JhengHei" pitchFamily="34" charset="-120"/>
-              <a:ea typeface="Microsoft JhengHei" pitchFamily="34" charset="-120"/>
-            </a:endParaRPr>
-          </a:p>
-          <a:p>
-            <a:pPr marL="0" indent="0" algn="ctr">
-              <a:buNone/>
-            </a:pPr>
-            <a:r>
-              <a:rPr lang="zh-TW" altLang="en-US" sz="4800" b="1" dirty="0">
-                <a:latin typeface="Microsoft JhengHei" pitchFamily="34" charset="-120"/>
-                <a:ea typeface="Microsoft JhengHei" pitchFamily="34" charset="-120"/>
-              </a:rPr>
-              <a:t>新</a:t>
-            </a:r>
-            <a:r>
-              <a:rPr lang="zh-TW" altLang="en-US" sz="4800" b="1" dirty="0">
-                <a:latin typeface="Microsoft JhengHei" pitchFamily="34" charset="-120"/>
-                <a:ea typeface="Microsoft JhengHei" pitchFamily="34" charset="-120"/>
-              </a:rPr>
-              <a:t>的恩</a:t>
-            </a:r>
-            <a:r>
-              <a:rPr lang="zh-TW" altLang="en-US" sz="4800" b="1" dirty="0">
-                <a:latin typeface="Microsoft JhengHei" pitchFamily="34" charset="-120"/>
-                <a:ea typeface="Microsoft JhengHei" pitchFamily="34" charset="-120"/>
-              </a:rPr>
-              <a:t>膏  新</a:t>
-            </a:r>
-            <a:r>
-              <a:rPr lang="zh-TW" altLang="en-US" sz="4800" b="1" dirty="0">
-                <a:latin typeface="Microsoft JhengHei" pitchFamily="34" charset="-120"/>
-                <a:ea typeface="Microsoft JhengHei" pitchFamily="34" charset="-120"/>
-              </a:rPr>
-              <a:t>的恩</a:t>
-            </a:r>
-            <a:r>
-              <a:rPr lang="zh-TW" altLang="en-US" sz="4800" b="1" dirty="0">
-                <a:latin typeface="Microsoft JhengHei" pitchFamily="34" charset="-120"/>
-                <a:ea typeface="Microsoft JhengHei" pitchFamily="34" charset="-120"/>
-              </a:rPr>
-              <a:t>寵</a:t>
-            </a:r>
-            <a:endParaRPr lang="en-US" altLang="zh-TW" sz="4800" b="1" dirty="0">
-              <a:latin typeface="Microsoft JhengHei" pitchFamily="34" charset="-120"/>
-              <a:ea typeface="Microsoft JhengHei" pitchFamily="34" charset="-120"/>
-            </a:endParaRPr>
-          </a:p>
-          <a:p>
-            <a:pPr marL="0" indent="0" algn="ctr">
-              <a:buNone/>
-            </a:pPr>
-            <a:r>
-              <a:rPr lang="zh-TW" altLang="en-US" sz="4800" b="1" dirty="0">
-                <a:latin typeface="Microsoft JhengHei" pitchFamily="34" charset="-120"/>
-                <a:ea typeface="Microsoft JhengHei" pitchFamily="34" charset="-120"/>
-              </a:rPr>
-              <a:t>我</a:t>
-            </a:r>
-            <a:r>
-              <a:rPr lang="zh-TW" altLang="en-US" sz="4800" b="1" dirty="0">
-                <a:latin typeface="Microsoft JhengHei" pitchFamily="34" charset="-120"/>
-                <a:ea typeface="Microsoft JhengHei" pitchFamily="34" charset="-120"/>
-              </a:rPr>
-              <a:t>們</a:t>
-            </a:r>
-            <a:r>
-              <a:rPr lang="zh-TW" altLang="en-US" sz="4800" b="1" dirty="0">
-                <a:latin typeface="Microsoft JhengHei" pitchFamily="34" charset="-120"/>
-                <a:ea typeface="Microsoft JhengHei" pitchFamily="34" charset="-120"/>
-              </a:rPr>
-              <a:t>要  我</a:t>
-            </a:r>
-            <a:r>
-              <a:rPr lang="zh-TW" altLang="en-US" sz="4800" b="1" dirty="0">
-                <a:latin typeface="Microsoft JhengHei" pitchFamily="34" charset="-120"/>
-                <a:ea typeface="Microsoft JhengHei" pitchFamily="34" charset="-120"/>
-              </a:rPr>
-              <a:t>們要唱新</a:t>
-            </a:r>
-            <a:r>
-              <a:rPr lang="zh-TW" altLang="en-US" sz="4800" b="1" dirty="0">
-                <a:latin typeface="Microsoft JhengHei" pitchFamily="34" charset="-120"/>
-                <a:ea typeface="Microsoft JhengHei" pitchFamily="34" charset="-120"/>
-              </a:rPr>
-              <a:t>歌</a:t>
-            </a:r>
-            <a:endParaRPr lang="en-US" altLang="zh-TW" sz="4800" b="1" dirty="0">
-              <a:latin typeface="Microsoft JhengHei" pitchFamily="34" charset="-120"/>
-              <a:ea typeface="Microsoft JhengHei" pitchFamily="34" charset="-120"/>
-            </a:endParaRPr>
-          </a:p>
-          <a:p>
-            <a:pPr marL="0" indent="0" algn="ctr">
-              <a:buNone/>
-            </a:pPr>
-            <a:r>
-              <a:rPr lang="zh-TW" altLang="en-US" sz="4800" b="1" dirty="0">
-                <a:latin typeface="Microsoft JhengHei" pitchFamily="34" charset="-120"/>
-                <a:ea typeface="Microsoft JhengHei" pitchFamily="34" charset="-120"/>
-              </a:rPr>
-              <a:t>稱</a:t>
-            </a:r>
-            <a:r>
-              <a:rPr lang="zh-TW" altLang="en-US" sz="4800" b="1" dirty="0">
-                <a:latin typeface="Microsoft JhengHei" pitchFamily="34" charset="-120"/>
-                <a:ea typeface="Microsoft JhengHei" pitchFamily="34" charset="-120"/>
-              </a:rPr>
-              <a:t>讚我們神為</a:t>
-            </a:r>
-            <a:r>
-              <a:rPr lang="zh-TW" altLang="en-US" sz="4800" b="1" dirty="0">
-                <a:latin typeface="Microsoft JhengHei" pitchFamily="34" charset="-120"/>
-                <a:ea typeface="Microsoft JhengHei" pitchFamily="34" charset="-120"/>
-              </a:rPr>
-              <a:t>高</a:t>
+              <a:t>稱讚我們神為高</a:t>
             </a:r>
             <a:endParaRPr lang="en-US" sz="4800" b="1" dirty="0">
               <a:latin typeface="Microsoft JhengHei" pitchFamily="34" charset="-120"/>
@@ -3553,146 +3520,55 @@
                 <a:latin typeface="Microsoft JhengHei" pitchFamily="34" charset="-120"/>
                 <a:ea typeface="Microsoft JhengHei" pitchFamily="34" charset="-120"/>
               </a:rPr>
-              <a:t>新的</a:t>
-            </a:r>
+              <a:t>新的事  新的事將要成就</a:t>
+            </a:r>
+            <a:endParaRPr lang="en-US" altLang="zh-TW" sz="4800" b="1" dirty="0">
+              <a:latin typeface="Microsoft JhengHei" pitchFamily="34" charset="-120"/>
+              <a:ea typeface="Microsoft JhengHei" pitchFamily="34" charset="-120"/>
+            </a:endParaRPr>
+          </a:p>
+          <a:p>
+            <a:pPr marL="0" indent="0" algn="ctr">
+              <a:buNone/>
+            </a:pPr>
             <a:r>
               <a:rPr lang="zh-TW" altLang="en-US" sz="4800" b="1" dirty="0">
                 <a:latin typeface="Microsoft JhengHei" pitchFamily="34" charset="-120"/>
                 <a:ea typeface="Microsoft JhengHei" pitchFamily="34" charset="-120"/>
               </a:rPr>
-              <a:t>事  新</a:t>
-            </a:r>
+              <a:t>新的恩典  新的盼望</a:t>
+            </a:r>
+            <a:endParaRPr lang="en-US" altLang="zh-TW" sz="4800" b="1" dirty="0">
+              <a:latin typeface="Microsoft JhengHei" pitchFamily="34" charset="-120"/>
+              <a:ea typeface="Microsoft JhengHei" pitchFamily="34" charset="-120"/>
+            </a:endParaRPr>
+          </a:p>
+          <a:p>
+            <a:pPr marL="0" indent="0" algn="ctr">
+              <a:buNone/>
+            </a:pPr>
             <a:r>
               <a:rPr lang="zh-TW" altLang="en-US" sz="4800" b="1" dirty="0">
                 <a:latin typeface="Microsoft JhengHei" pitchFamily="34" charset="-120"/>
                 <a:ea typeface="Microsoft JhengHei" pitchFamily="34" charset="-120"/>
               </a:rPr>
-              <a:t>的事將要成</a:t>
-            </a:r>
+              <a:t>我們要  我們要唱新歌</a:t>
+            </a:r>
+            <a:endParaRPr lang="en-US" altLang="zh-TW" sz="4800" b="1" dirty="0">
+              <a:latin typeface="Microsoft JhengHei" pitchFamily="34" charset="-120"/>
+              <a:ea typeface="Microsoft JhengHei" pitchFamily="34" charset="-120"/>
+            </a:endParaRPr>
+          </a:p>
+          <a:p>
+            <a:pPr marL="0" indent="0" algn="ctr">
+              <a:buNone/>
+            </a:pPr>
             <a:r>
               <a:rPr lang="zh-TW" altLang="en-US" sz="4800" b="1" dirty="0">
                 <a:latin typeface="Microsoft JhengHei" pitchFamily="34" charset="-120"/>
                 <a:ea typeface="Microsoft JhengHei" pitchFamily="34" charset="-120"/>
               </a:rPr>
-              <a:t>就</a:t>
-            </a:r>
-            <a:endParaRPr lang="en-US" altLang="zh-TW" sz="4800" b="1" dirty="0">
-              <a:latin typeface="Microsoft JhengHei" pitchFamily="34" charset="-120"/>
-              <a:ea typeface="Microsoft JhengHei" pitchFamily="34" charset="-120"/>
-            </a:endParaRPr>
-          </a:p>
-          <a:p>
-            <a:pPr marL="0" indent="0" algn="ctr">
-              <a:buNone/>
-            </a:pPr>
-            <a:r>
-              <a:rPr lang="zh-TW" altLang="en-US" sz="4800" b="1" dirty="0">
-                <a:latin typeface="Microsoft JhengHei" pitchFamily="34" charset="-120"/>
-                <a:ea typeface="Microsoft JhengHei" pitchFamily="34" charset="-120"/>
-              </a:rPr>
-              <a:t>新</a:t>
-            </a:r>
-            <a:r>
-              <a:rPr lang="zh-TW" altLang="en-US" sz="4800" b="1" dirty="0">
-                <a:latin typeface="Microsoft JhengHei" pitchFamily="34" charset="-120"/>
-                <a:ea typeface="Microsoft JhengHei" pitchFamily="34" charset="-120"/>
-              </a:rPr>
-              <a:t>的恩</a:t>
-            </a:r>
-            <a:r>
-              <a:rPr lang="zh-TW" altLang="en-US" sz="4800" b="1" dirty="0">
-                <a:latin typeface="Microsoft JhengHei" pitchFamily="34" charset="-120"/>
-                <a:ea typeface="Microsoft JhengHei" pitchFamily="34" charset="-120"/>
-              </a:rPr>
-              <a:t>典  新</a:t>
-            </a:r>
-            <a:r>
-              <a:rPr lang="zh-TW" altLang="en-US" sz="4800" b="1" dirty="0">
-                <a:latin typeface="Microsoft JhengHei" pitchFamily="34" charset="-120"/>
-                <a:ea typeface="Microsoft JhengHei" pitchFamily="34" charset="-120"/>
-              </a:rPr>
-              <a:t>的盼</a:t>
-            </a:r>
-            <a:r>
-              <a:rPr lang="zh-TW" altLang="en-US" sz="4800" b="1" dirty="0">
-                <a:latin typeface="Microsoft JhengHei" pitchFamily="34" charset="-120"/>
-                <a:ea typeface="Microsoft JhengHei" pitchFamily="34" charset="-120"/>
-              </a:rPr>
-              <a:t>望</a:t>
-            </a:r>
-            <a:endParaRPr lang="en-US" altLang="zh-TW" sz="4800" b="1" dirty="0">
-              <a:latin typeface="Microsoft JhengHei" pitchFamily="34" charset="-120"/>
-              <a:ea typeface="Microsoft JhengHei" pitchFamily="34" charset="-120"/>
-            </a:endParaRPr>
-          </a:p>
-          <a:p>
-            <a:pPr marL="0" indent="0" algn="ctr">
-              <a:buNone/>
-            </a:pPr>
-            <a:r>
-              <a:rPr lang="zh-TW" altLang="en-US" sz="4800" b="1" dirty="0">
-                <a:latin typeface="Microsoft JhengHei" pitchFamily="34" charset="-120"/>
-                <a:ea typeface="Microsoft JhengHei" pitchFamily="34" charset="-120"/>
-              </a:rPr>
-              <a:t>我</a:t>
-            </a:r>
-            <a:r>
-              <a:rPr lang="zh-TW" altLang="en-US" sz="4800" b="1" dirty="0">
-                <a:latin typeface="Microsoft JhengHei" pitchFamily="34" charset="-120"/>
-                <a:ea typeface="Microsoft JhengHei" pitchFamily="34" charset="-120"/>
-              </a:rPr>
-              <a:t>們</a:t>
-            </a:r>
-            <a:r>
-              <a:rPr lang="zh-TW" altLang="en-US" sz="4800" b="1" dirty="0">
-                <a:latin typeface="Microsoft JhengHei" pitchFamily="34" charset="-120"/>
-                <a:ea typeface="Microsoft JhengHei" pitchFamily="34" charset="-120"/>
-              </a:rPr>
-              <a:t>要  我</a:t>
-            </a:r>
-            <a:r>
-              <a:rPr lang="zh-TW" altLang="en-US" sz="4800" b="1" dirty="0">
-                <a:latin typeface="Microsoft JhengHei" pitchFamily="34" charset="-120"/>
-                <a:ea typeface="Microsoft JhengHei" pitchFamily="34" charset="-120"/>
-              </a:rPr>
-              <a:t>們要唱新</a:t>
-            </a:r>
-            <a:r>
-              <a:rPr lang="zh-TW" altLang="en-US" sz="4800" b="1" dirty="0">
-                <a:latin typeface="Microsoft JhengHei" pitchFamily="34" charset="-120"/>
-                <a:ea typeface="Microsoft JhengHei" pitchFamily="34" charset="-120"/>
-              </a:rPr>
-              <a:t>歌</a:t>
-            </a:r>
-            <a:endParaRPr lang="en-US" altLang="zh-TW" sz="4800" b="1" dirty="0">
-              <a:latin typeface="Microsoft JhengHei" pitchFamily="34" charset="-120"/>
-              <a:ea typeface="Microsoft JhengHei" pitchFamily="34" charset="-120"/>
-            </a:endParaRPr>
-          </a:p>
-          <a:p>
-            <a:pPr marL="0" indent="0" algn="ctr">
-              <a:buNone/>
-            </a:pPr>
-            <a:r>
-              <a:rPr lang="zh-TW" altLang="en-US" sz="4800" b="1" dirty="0">
-                <a:latin typeface="Microsoft JhengHei" pitchFamily="34" charset="-120"/>
-                <a:ea typeface="Microsoft JhengHei" pitchFamily="34" charset="-120"/>
-              </a:rPr>
-              <a:t>充</a:t>
-            </a:r>
-            <a:r>
-              <a:rPr lang="zh-TW" altLang="en-US" sz="4800" b="1" dirty="0">
-                <a:latin typeface="Microsoft JhengHei" pitchFamily="34" charset="-120"/>
-                <a:ea typeface="Microsoft JhengHei" pitchFamily="34" charset="-120"/>
-              </a:rPr>
-              <a:t>滿神的榮</a:t>
-            </a:r>
-            <a:r>
-              <a:rPr lang="zh-TW" altLang="en-US" sz="4800" b="1" dirty="0">
-                <a:latin typeface="Microsoft JhengHei" pitchFamily="34" charset="-120"/>
-                <a:ea typeface="Microsoft JhengHei" pitchFamily="34" charset="-120"/>
-              </a:rPr>
-              <a:t>耀</a:t>
+              <a:t>充滿神的榮耀</a:t>
             </a:r>
             <a:endParaRPr lang="en-US" sz="4800" b="1" dirty="0">
               <a:latin typeface="Microsoft JhengHei" pitchFamily="34" charset="-120"/>

--- a/新的事將要成就 (崇拜版）.pptx
+++ b/新的事將要成就 (崇拜版）.pptx
@@ -5,9 +5,13 @@
     <p:sldMasterId id="2147483660" r:id="rId1"/>
   </p:sldMasterIdLst>
   <p:sldIdLst>
-    <p:sldId id="257" r:id="rId2"/>
-    <p:sldId id="258" r:id="rId3"/>
-    <p:sldId id="259" r:id="rId4"/>
+    <p:sldId id="735" r:id="rId2"/>
+    <p:sldId id="736" r:id="rId3"/>
+    <p:sldId id="737" r:id="rId4"/>
+    <p:sldId id="746" r:id="rId5"/>
+    <p:sldId id="747" r:id="rId6"/>
+    <p:sldId id="748" r:id="rId7"/>
+    <p:sldId id="749" r:id="rId8"/>
   </p:sldIdLst>
   <p:sldSz cx="9144000" cy="5143500" type="screen16x9"/>
   <p:notesSz cx="6858000" cy="9144000"/>
@@ -163,7 +167,7 @@
           <a:lstStyle/>
           <a:p>
             <a:r>
-              <a:rPr lang="en-US" altLang="zh-TW" smtClean="0"/>
+              <a:rPr lang="en-US" altLang="zh-TW"/>
               <a:t>Click to edit Master title style</a:t>
             </a:r>
             <a:endParaRPr lang="zh-TW" altLang="en-US"/>
@@ -282,7 +286,7 @@
           </a:lstStyle>
           <a:p>
             <a:r>
-              <a:rPr lang="en-US" altLang="zh-TW" smtClean="0"/>
+              <a:rPr lang="en-US" altLang="zh-TW"/>
               <a:t>Click to edit Master subtitle style</a:t>
             </a:r>
             <a:endParaRPr lang="zh-TW" altLang="en-US"/>
@@ -306,7 +310,7 @@
           <a:p>
             <a:fld id="{79C76AA0-E53B-4B2B-8DE8-2014EA0F7230}" type="datetimeFigureOut">
               <a:rPr lang="en-US" smtClean="0"/>
-              <a:t>2/6/2020</a:t>
+              <a:t>2/9/2024</a:t>
             </a:fld>
             <a:endParaRPr lang="en-US"/>
           </a:p>
@@ -395,7 +399,7 @@
           <a:lstStyle/>
           <a:p>
             <a:r>
-              <a:rPr lang="en-US" altLang="zh-TW" smtClean="0"/>
+              <a:rPr lang="en-US" altLang="zh-TW"/>
               <a:t>Click to edit Master title style</a:t>
             </a:r>
             <a:endParaRPr lang="zh-TW" altLang="en-US"/>
@@ -419,35 +423,35 @@
           <a:p>
             <a:pPr lvl="0"/>
             <a:r>
-              <a:rPr lang="en-US" altLang="zh-TW" smtClean="0"/>
+              <a:rPr lang="en-US" altLang="zh-TW"/>
               <a:t>Click to edit Master text styles</a:t>
             </a:r>
           </a:p>
           <a:p>
             <a:pPr lvl="1"/>
             <a:r>
-              <a:rPr lang="en-US" altLang="zh-TW" smtClean="0"/>
+              <a:rPr lang="en-US" altLang="zh-TW"/>
               <a:t>Second level</a:t>
             </a:r>
           </a:p>
           <a:p>
             <a:pPr lvl="2"/>
             <a:r>
-              <a:rPr lang="en-US" altLang="zh-TW" smtClean="0"/>
+              <a:rPr lang="en-US" altLang="zh-TW"/>
               <a:t>Third level</a:t>
             </a:r>
           </a:p>
           <a:p>
             <a:pPr lvl="3"/>
             <a:r>
-              <a:rPr lang="en-US" altLang="zh-TW" smtClean="0"/>
+              <a:rPr lang="en-US" altLang="zh-TW"/>
               <a:t>Fourth level</a:t>
             </a:r>
           </a:p>
           <a:p>
             <a:pPr lvl="4"/>
             <a:r>
-              <a:rPr lang="en-US" altLang="zh-TW" smtClean="0"/>
+              <a:rPr lang="en-US" altLang="zh-TW"/>
               <a:t>Fifth level</a:t>
             </a:r>
             <a:endParaRPr lang="zh-TW" altLang="en-US"/>
@@ -471,7 +475,7 @@
           <a:p>
             <a:fld id="{79C76AA0-E53B-4B2B-8DE8-2014EA0F7230}" type="datetimeFigureOut">
               <a:rPr lang="en-US" smtClean="0"/>
-              <a:t>2/6/2020</a:t>
+              <a:t>2/9/2024</a:t>
             </a:fld>
             <a:endParaRPr lang="en-US"/>
           </a:p>
@@ -565,7 +569,7 @@
           <a:lstStyle/>
           <a:p>
             <a:r>
-              <a:rPr lang="en-US" altLang="zh-TW" smtClean="0"/>
+              <a:rPr lang="en-US" altLang="zh-TW"/>
               <a:t>Click to edit Master title style</a:t>
             </a:r>
             <a:endParaRPr lang="zh-TW" altLang="en-US"/>
@@ -594,35 +598,35 @@
           <a:p>
             <a:pPr lvl="0"/>
             <a:r>
-              <a:rPr lang="en-US" altLang="zh-TW" smtClean="0"/>
+              <a:rPr lang="en-US" altLang="zh-TW"/>
               <a:t>Click to edit Master text styles</a:t>
             </a:r>
           </a:p>
           <a:p>
             <a:pPr lvl="1"/>
             <a:r>
-              <a:rPr lang="en-US" altLang="zh-TW" smtClean="0"/>
+              <a:rPr lang="en-US" altLang="zh-TW"/>
               <a:t>Second level</a:t>
             </a:r>
           </a:p>
           <a:p>
             <a:pPr lvl="2"/>
             <a:r>
-              <a:rPr lang="en-US" altLang="zh-TW" smtClean="0"/>
+              <a:rPr lang="en-US" altLang="zh-TW"/>
               <a:t>Third level</a:t>
             </a:r>
           </a:p>
           <a:p>
             <a:pPr lvl="3"/>
             <a:r>
-              <a:rPr lang="en-US" altLang="zh-TW" smtClean="0"/>
+              <a:rPr lang="en-US" altLang="zh-TW"/>
               <a:t>Fourth level</a:t>
             </a:r>
           </a:p>
           <a:p>
             <a:pPr lvl="4"/>
             <a:r>
-              <a:rPr lang="en-US" altLang="zh-TW" smtClean="0"/>
+              <a:rPr lang="en-US" altLang="zh-TW"/>
               <a:t>Fifth level</a:t>
             </a:r>
             <a:endParaRPr lang="zh-TW" altLang="en-US"/>
@@ -646,7 +650,7 @@
           <a:p>
             <a:fld id="{79C76AA0-E53B-4B2B-8DE8-2014EA0F7230}" type="datetimeFigureOut">
               <a:rPr lang="en-US" smtClean="0"/>
-              <a:t>2/6/2020</a:t>
+              <a:t>2/9/2024</a:t>
             </a:fld>
             <a:endParaRPr lang="en-US"/>
           </a:p>
@@ -735,7 +739,7 @@
           <a:lstStyle/>
           <a:p>
             <a:r>
-              <a:rPr lang="en-US" altLang="zh-TW" smtClean="0"/>
+              <a:rPr lang="en-US" altLang="zh-TW"/>
               <a:t>Click to edit Master title style</a:t>
             </a:r>
             <a:endParaRPr lang="zh-TW" altLang="en-US"/>
@@ -759,35 +763,35 @@
           <a:p>
             <a:pPr lvl="0"/>
             <a:r>
-              <a:rPr lang="en-US" altLang="zh-TW" smtClean="0"/>
+              <a:rPr lang="en-US" altLang="zh-TW"/>
               <a:t>Click to edit Master text styles</a:t>
             </a:r>
           </a:p>
           <a:p>
             <a:pPr lvl="1"/>
             <a:r>
-              <a:rPr lang="en-US" altLang="zh-TW" smtClean="0"/>
+              <a:rPr lang="en-US" altLang="zh-TW"/>
               <a:t>Second level</a:t>
             </a:r>
           </a:p>
           <a:p>
             <a:pPr lvl="2"/>
             <a:r>
-              <a:rPr lang="en-US" altLang="zh-TW" smtClean="0"/>
+              <a:rPr lang="en-US" altLang="zh-TW"/>
               <a:t>Third level</a:t>
             </a:r>
           </a:p>
           <a:p>
             <a:pPr lvl="3"/>
             <a:r>
-              <a:rPr lang="en-US" altLang="zh-TW" smtClean="0"/>
+              <a:rPr lang="en-US" altLang="zh-TW"/>
               <a:t>Fourth level</a:t>
             </a:r>
           </a:p>
           <a:p>
             <a:pPr lvl="4"/>
             <a:r>
-              <a:rPr lang="en-US" altLang="zh-TW" smtClean="0"/>
+              <a:rPr lang="en-US" altLang="zh-TW"/>
               <a:t>Fifth level</a:t>
             </a:r>
             <a:endParaRPr lang="zh-TW" altLang="en-US"/>
@@ -811,7 +815,7 @@
           <a:p>
             <a:fld id="{79C76AA0-E53B-4B2B-8DE8-2014EA0F7230}" type="datetimeFigureOut">
               <a:rPr lang="en-US" smtClean="0"/>
-              <a:t>2/6/2020</a:t>
+              <a:t>2/9/2024</a:t>
             </a:fld>
             <a:endParaRPr lang="en-US"/>
           </a:p>
@@ -909,7 +913,7 @@
           </a:lstStyle>
           <a:p>
             <a:r>
-              <a:rPr lang="en-US" altLang="zh-TW" smtClean="0"/>
+              <a:rPr lang="en-US" altLang="zh-TW"/>
               <a:t>Click to edit Master title style</a:t>
             </a:r>
             <a:endParaRPr lang="zh-TW" altLang="en-US"/>
@@ -1029,7 +1033,7 @@
           <a:p>
             <a:pPr lvl="0"/>
             <a:r>
-              <a:rPr lang="en-US" altLang="zh-TW" smtClean="0"/>
+              <a:rPr lang="en-US" altLang="zh-TW"/>
               <a:t>Click to edit Master text styles</a:t>
             </a:r>
           </a:p>
@@ -1052,7 +1056,7 @@
           <a:p>
             <a:fld id="{79C76AA0-E53B-4B2B-8DE8-2014EA0F7230}" type="datetimeFigureOut">
               <a:rPr lang="en-US" smtClean="0"/>
-              <a:t>2/6/2020</a:t>
+              <a:t>2/9/2024</a:t>
             </a:fld>
             <a:endParaRPr lang="en-US"/>
           </a:p>
@@ -1141,7 +1145,7 @@
           <a:lstStyle/>
           <a:p>
             <a:r>
-              <a:rPr lang="en-US" altLang="zh-TW" smtClean="0"/>
+              <a:rPr lang="en-US" altLang="zh-TW"/>
               <a:t>Click to edit Master title style</a:t>
             </a:r>
             <a:endParaRPr lang="zh-TW" altLang="en-US"/>
@@ -1198,35 +1202,35 @@
           <a:p>
             <a:pPr lvl="0"/>
             <a:r>
-              <a:rPr lang="en-US" altLang="zh-TW" smtClean="0"/>
+              <a:rPr lang="en-US" altLang="zh-TW"/>
               <a:t>Click to edit Master text styles</a:t>
             </a:r>
           </a:p>
           <a:p>
             <a:pPr lvl="1"/>
             <a:r>
-              <a:rPr lang="en-US" altLang="zh-TW" smtClean="0"/>
+              <a:rPr lang="en-US" altLang="zh-TW"/>
               <a:t>Second level</a:t>
             </a:r>
           </a:p>
           <a:p>
             <a:pPr lvl="2"/>
             <a:r>
-              <a:rPr lang="en-US" altLang="zh-TW" smtClean="0"/>
+              <a:rPr lang="en-US" altLang="zh-TW"/>
               <a:t>Third level</a:t>
             </a:r>
           </a:p>
           <a:p>
             <a:pPr lvl="3"/>
             <a:r>
-              <a:rPr lang="en-US" altLang="zh-TW" smtClean="0"/>
+              <a:rPr lang="en-US" altLang="zh-TW"/>
               <a:t>Fourth level</a:t>
             </a:r>
           </a:p>
           <a:p>
             <a:pPr lvl="4"/>
             <a:r>
-              <a:rPr lang="en-US" altLang="zh-TW" smtClean="0"/>
+              <a:rPr lang="en-US" altLang="zh-TW"/>
               <a:t>Fifth level</a:t>
             </a:r>
             <a:endParaRPr lang="zh-TW" altLang="en-US"/>
@@ -1283,35 +1287,35 @@
           <a:p>
             <a:pPr lvl="0"/>
             <a:r>
-              <a:rPr lang="en-US" altLang="zh-TW" smtClean="0"/>
+              <a:rPr lang="en-US" altLang="zh-TW"/>
               <a:t>Click to edit Master text styles</a:t>
             </a:r>
           </a:p>
           <a:p>
             <a:pPr lvl="1"/>
             <a:r>
-              <a:rPr lang="en-US" altLang="zh-TW" smtClean="0"/>
+              <a:rPr lang="en-US" altLang="zh-TW"/>
               <a:t>Second level</a:t>
             </a:r>
           </a:p>
           <a:p>
             <a:pPr lvl="2"/>
             <a:r>
-              <a:rPr lang="en-US" altLang="zh-TW" smtClean="0"/>
+              <a:rPr lang="en-US" altLang="zh-TW"/>
               <a:t>Third level</a:t>
             </a:r>
           </a:p>
           <a:p>
             <a:pPr lvl="3"/>
             <a:r>
-              <a:rPr lang="en-US" altLang="zh-TW" smtClean="0"/>
+              <a:rPr lang="en-US" altLang="zh-TW"/>
               <a:t>Fourth level</a:t>
             </a:r>
           </a:p>
           <a:p>
             <a:pPr lvl="4"/>
             <a:r>
-              <a:rPr lang="en-US" altLang="zh-TW" smtClean="0"/>
+              <a:rPr lang="en-US" altLang="zh-TW"/>
               <a:t>Fifth level</a:t>
             </a:r>
             <a:endParaRPr lang="zh-TW" altLang="en-US"/>
@@ -1335,7 +1339,7 @@
           <a:p>
             <a:fld id="{79C76AA0-E53B-4B2B-8DE8-2014EA0F7230}" type="datetimeFigureOut">
               <a:rPr lang="en-US" smtClean="0"/>
-              <a:t>2/6/2020</a:t>
+              <a:t>2/9/2024</a:t>
             </a:fld>
             <a:endParaRPr lang="en-US"/>
           </a:p>
@@ -1428,7 +1432,7 @@
           </a:lstStyle>
           <a:p>
             <a:r>
-              <a:rPr lang="en-US" altLang="zh-TW" smtClean="0"/>
+              <a:rPr lang="en-US" altLang="zh-TW"/>
               <a:t>Click to edit Master title style</a:t>
             </a:r>
             <a:endParaRPr lang="zh-TW" altLang="en-US"/>
@@ -1494,7 +1498,7 @@
           <a:p>
             <a:pPr lvl="0"/>
             <a:r>
-              <a:rPr lang="en-US" altLang="zh-TW" smtClean="0"/>
+              <a:rPr lang="en-US" altLang="zh-TW"/>
               <a:t>Click to edit Master text styles</a:t>
             </a:r>
           </a:p>
@@ -1550,35 +1554,35 @@
           <a:p>
             <a:pPr lvl="0"/>
             <a:r>
-              <a:rPr lang="en-US" altLang="zh-TW" smtClean="0"/>
+              <a:rPr lang="en-US" altLang="zh-TW"/>
               <a:t>Click to edit Master text styles</a:t>
             </a:r>
           </a:p>
           <a:p>
             <a:pPr lvl="1"/>
             <a:r>
-              <a:rPr lang="en-US" altLang="zh-TW" smtClean="0"/>
+              <a:rPr lang="en-US" altLang="zh-TW"/>
               <a:t>Second level</a:t>
             </a:r>
           </a:p>
           <a:p>
             <a:pPr lvl="2"/>
             <a:r>
-              <a:rPr lang="en-US" altLang="zh-TW" smtClean="0"/>
+              <a:rPr lang="en-US" altLang="zh-TW"/>
               <a:t>Third level</a:t>
             </a:r>
           </a:p>
           <a:p>
             <a:pPr lvl="3"/>
             <a:r>
-              <a:rPr lang="en-US" altLang="zh-TW" smtClean="0"/>
+              <a:rPr lang="en-US" altLang="zh-TW"/>
               <a:t>Fourth level</a:t>
             </a:r>
           </a:p>
           <a:p>
             <a:pPr lvl="4"/>
             <a:r>
-              <a:rPr lang="en-US" altLang="zh-TW" smtClean="0"/>
+              <a:rPr lang="en-US" altLang="zh-TW"/>
               <a:t>Fifth level</a:t>
             </a:r>
             <a:endParaRPr lang="zh-TW" altLang="en-US"/>
@@ -1644,7 +1648,7 @@
           <a:p>
             <a:pPr lvl="0"/>
             <a:r>
-              <a:rPr lang="en-US" altLang="zh-TW" smtClean="0"/>
+              <a:rPr lang="en-US" altLang="zh-TW"/>
               <a:t>Click to edit Master text styles</a:t>
             </a:r>
           </a:p>
@@ -1700,35 +1704,35 @@
           <a:p>
             <a:pPr lvl="0"/>
             <a:r>
-              <a:rPr lang="en-US" altLang="zh-TW" smtClean="0"/>
+              <a:rPr lang="en-US" altLang="zh-TW"/>
               <a:t>Click to edit Master text styles</a:t>
             </a:r>
           </a:p>
           <a:p>
             <a:pPr lvl="1"/>
             <a:r>
-              <a:rPr lang="en-US" altLang="zh-TW" smtClean="0"/>
+              <a:rPr lang="en-US" altLang="zh-TW"/>
               <a:t>Second level</a:t>
             </a:r>
           </a:p>
           <a:p>
             <a:pPr lvl="2"/>
             <a:r>
-              <a:rPr lang="en-US" altLang="zh-TW" smtClean="0"/>
+              <a:rPr lang="en-US" altLang="zh-TW"/>
               <a:t>Third level</a:t>
             </a:r>
           </a:p>
           <a:p>
             <a:pPr lvl="3"/>
             <a:r>
-              <a:rPr lang="en-US" altLang="zh-TW" smtClean="0"/>
+              <a:rPr lang="en-US" altLang="zh-TW"/>
               <a:t>Fourth level</a:t>
             </a:r>
           </a:p>
           <a:p>
             <a:pPr lvl="4"/>
             <a:r>
-              <a:rPr lang="en-US" altLang="zh-TW" smtClean="0"/>
+              <a:rPr lang="en-US" altLang="zh-TW"/>
               <a:t>Fifth level</a:t>
             </a:r>
             <a:endParaRPr lang="zh-TW" altLang="en-US"/>
@@ -1752,7 +1756,7 @@
           <a:p>
             <a:fld id="{79C76AA0-E53B-4B2B-8DE8-2014EA0F7230}" type="datetimeFigureOut">
               <a:rPr lang="en-US" smtClean="0"/>
-              <a:t>2/6/2020</a:t>
+              <a:t>2/9/2024</a:t>
             </a:fld>
             <a:endParaRPr lang="en-US"/>
           </a:p>
@@ -1841,7 +1845,7 @@
           <a:lstStyle/>
           <a:p>
             <a:r>
-              <a:rPr lang="en-US" altLang="zh-TW" smtClean="0"/>
+              <a:rPr lang="en-US" altLang="zh-TW"/>
               <a:t>Click to edit Master title style</a:t>
             </a:r>
             <a:endParaRPr lang="zh-TW" altLang="en-US"/>
@@ -1865,7 +1869,7 @@
           <a:p>
             <a:fld id="{79C76AA0-E53B-4B2B-8DE8-2014EA0F7230}" type="datetimeFigureOut">
               <a:rPr lang="en-US" smtClean="0"/>
-              <a:t>2/6/2020</a:t>
+              <a:t>2/9/2024</a:t>
             </a:fld>
             <a:endParaRPr lang="en-US"/>
           </a:p>
@@ -1955,7 +1959,7 @@
           <a:p>
             <a:fld id="{79C76AA0-E53B-4B2B-8DE8-2014EA0F7230}" type="datetimeFigureOut">
               <a:rPr lang="en-US" smtClean="0"/>
-              <a:t>2/6/2020</a:t>
+              <a:t>2/9/2024</a:t>
             </a:fld>
             <a:endParaRPr lang="en-US"/>
           </a:p>
@@ -2053,7 +2057,7 @@
           </a:lstStyle>
           <a:p>
             <a:r>
-              <a:rPr lang="en-US" altLang="zh-TW" smtClean="0"/>
+              <a:rPr lang="en-US" altLang="zh-TW"/>
               <a:t>Click to edit Master title style</a:t>
             </a:r>
             <a:endParaRPr lang="zh-TW" altLang="en-US"/>
@@ -2110,35 +2114,35 @@
           <a:p>
             <a:pPr lvl="0"/>
             <a:r>
-              <a:rPr lang="en-US" altLang="zh-TW" smtClean="0"/>
+              <a:rPr lang="en-US" altLang="zh-TW"/>
               <a:t>Click to edit Master text styles</a:t>
             </a:r>
           </a:p>
           <a:p>
             <a:pPr lvl="1"/>
             <a:r>
-              <a:rPr lang="en-US" altLang="zh-TW" smtClean="0"/>
+              <a:rPr lang="en-US" altLang="zh-TW"/>
               <a:t>Second level</a:t>
             </a:r>
           </a:p>
           <a:p>
             <a:pPr lvl="2"/>
             <a:r>
-              <a:rPr lang="en-US" altLang="zh-TW" smtClean="0"/>
+              <a:rPr lang="en-US" altLang="zh-TW"/>
               <a:t>Third level</a:t>
             </a:r>
           </a:p>
           <a:p>
             <a:pPr lvl="3"/>
             <a:r>
-              <a:rPr lang="en-US" altLang="zh-TW" smtClean="0"/>
+              <a:rPr lang="en-US" altLang="zh-TW"/>
               <a:t>Fourth level</a:t>
             </a:r>
           </a:p>
           <a:p>
             <a:pPr lvl="4"/>
             <a:r>
-              <a:rPr lang="en-US" altLang="zh-TW" smtClean="0"/>
+              <a:rPr lang="en-US" altLang="zh-TW"/>
               <a:t>Fifth level</a:t>
             </a:r>
             <a:endParaRPr lang="zh-TW" altLang="en-US"/>
@@ -2204,7 +2208,7 @@
           <a:p>
             <a:pPr lvl="0"/>
             <a:r>
-              <a:rPr lang="en-US" altLang="zh-TW" smtClean="0"/>
+              <a:rPr lang="en-US" altLang="zh-TW"/>
               <a:t>Click to edit Master text styles</a:t>
             </a:r>
           </a:p>
@@ -2227,7 +2231,7 @@
           <a:p>
             <a:fld id="{79C76AA0-E53B-4B2B-8DE8-2014EA0F7230}" type="datetimeFigureOut">
               <a:rPr lang="en-US" smtClean="0"/>
-              <a:t>2/6/2020</a:t>
+              <a:t>2/9/2024</a:t>
             </a:fld>
             <a:endParaRPr lang="en-US"/>
           </a:p>
@@ -2325,7 +2329,7 @@
           </a:lstStyle>
           <a:p>
             <a:r>
-              <a:rPr lang="en-US" altLang="zh-TW" smtClean="0"/>
+              <a:rPr lang="en-US" altLang="zh-TW"/>
               <a:t>Click to edit Master title style</a:t>
             </a:r>
             <a:endParaRPr lang="zh-TW" altLang="en-US"/>
@@ -2390,7 +2394,7 @@
           </a:lstStyle>
           <a:p>
             <a:r>
-              <a:rPr lang="en-US" altLang="zh-TW" smtClean="0"/>
+              <a:rPr lang="en-US" altLang="zh-TW"/>
               <a:t>Click icon to add picture</a:t>
             </a:r>
             <a:endParaRPr lang="zh-TW" altLang="en-US"/>
@@ -2456,7 +2460,7 @@
           <a:p>
             <a:pPr lvl="0"/>
             <a:r>
-              <a:rPr lang="en-US" altLang="zh-TW" smtClean="0"/>
+              <a:rPr lang="en-US" altLang="zh-TW"/>
               <a:t>Click to edit Master text styles</a:t>
             </a:r>
           </a:p>
@@ -2479,7 +2483,7 @@
           <a:p>
             <a:fld id="{79C76AA0-E53B-4B2B-8DE8-2014EA0F7230}" type="datetimeFigureOut">
               <a:rPr lang="en-US" smtClean="0"/>
-              <a:t>2/6/2020</a:t>
+              <a:t>2/9/2024</a:t>
             </a:fld>
             <a:endParaRPr lang="en-US"/>
           </a:p>
@@ -2588,10 +2592,9 @@
           <a:lstStyle/>
           <a:p>
             <a:r>
-              <a:rPr lang="zh-TW" altLang="en-US" smtClean="0"/>
+              <a:rPr lang="zh-TW" altLang="en-US"/>
               <a:t>按一下以編輯母片標題樣式</a:t>
             </a:r>
-            <a:endParaRPr lang="zh-TW" altLang="en-US"/>
           </a:p>
         </p:txBody>
       </p:sp>
@@ -2622,38 +2625,37 @@
           <a:p>
             <a:pPr lvl="0"/>
             <a:r>
-              <a:rPr lang="zh-TW" altLang="en-US" smtClean="0"/>
+              <a:rPr lang="zh-TW" altLang="en-US"/>
               <a:t>按一下以編輯母片文字樣式</a:t>
             </a:r>
           </a:p>
           <a:p>
             <a:pPr lvl="1"/>
             <a:r>
-              <a:rPr lang="zh-TW" altLang="en-US" smtClean="0"/>
+              <a:rPr lang="zh-TW" altLang="en-US"/>
               <a:t>第二層</a:t>
             </a:r>
           </a:p>
           <a:p>
             <a:pPr lvl="2"/>
             <a:r>
-              <a:rPr lang="zh-TW" altLang="en-US" smtClean="0"/>
+              <a:rPr lang="zh-TW" altLang="en-US"/>
               <a:t>第三層</a:t>
             </a:r>
           </a:p>
           <a:p>
             <a:pPr lvl="3"/>
             <a:r>
-              <a:rPr lang="zh-TW" altLang="en-US" smtClean="0"/>
+              <a:rPr lang="zh-TW" altLang="en-US"/>
               <a:t>第四層</a:t>
             </a:r>
           </a:p>
           <a:p>
             <a:pPr lvl="4"/>
             <a:r>
-              <a:rPr lang="zh-TW" altLang="en-US" smtClean="0"/>
+              <a:rPr lang="zh-TW" altLang="en-US"/>
               <a:t>第五層</a:t>
             </a:r>
-            <a:endParaRPr lang="zh-TW" altLang="en-US"/>
           </a:p>
         </p:txBody>
       </p:sp>
@@ -2692,7 +2694,7 @@
           <a:p>
             <a:fld id="{79C76AA0-E53B-4B2B-8DE8-2014EA0F7230}" type="datetimeFigureOut">
               <a:rPr lang="en-US" smtClean="0"/>
-              <a:t>2/6/2020</a:t>
+              <a:t>2/9/2024</a:t>
             </a:fld>
             <a:endParaRPr lang="en-US"/>
           </a:p>
@@ -3050,7 +3052,13 @@
   <p:cSld>
     <p:spTree>
       <p:nvGrpSpPr>
-        <p:cNvPr id="1" name=""/>
+        <p:cNvPr id="1" name="">
+          <a:extLst>
+            <a:ext uri="{FF2B5EF4-FFF2-40B4-BE49-F238E27FC236}">
+              <a16:creationId xmlns:a16="http://schemas.microsoft.com/office/drawing/2014/main" id="{FAD7345F-041F-3B68-4B0E-5163B143C64D}"/>
+            </a:ext>
+          </a:extLst>
+        </p:cNvPr>
         <p:cNvGrpSpPr/>
         <p:nvPr/>
       </p:nvGrpSpPr>
@@ -3064,7 +3072,13 @@
       </p:grpSpPr>
       <p:sp>
         <p:nvSpPr>
-          <p:cNvPr id="2" name="Title 1"/>
+          <p:cNvPr id="4" name="標題 3">
+            <a:extLst>
+              <a:ext uri="{FF2B5EF4-FFF2-40B4-BE49-F238E27FC236}">
+                <a16:creationId xmlns:a16="http://schemas.microsoft.com/office/drawing/2014/main" id="{2EDCD329-BD2D-569B-8D9A-81714D7D5985}"/>
+              </a:ext>
+            </a:extLst>
+          </p:cNvPr>
           <p:cNvSpPr>
             <a:spLocks noGrp="1"/>
           </p:cNvSpPr>
@@ -3072,219 +3086,35 @@
             <p:ph type="title"/>
           </p:nvPr>
         </p:nvSpPr>
-        <p:spPr/>
+        <p:spPr>
+          <a:xfrm>
+            <a:off x="0" y="1995686"/>
+            <a:ext cx="9144000" cy="857250"/>
+          </a:xfrm>
+        </p:spPr>
         <p:txBody>
           <a:bodyPr>
-            <a:normAutofit/>
+            <a:noAutofit/>
           </a:bodyPr>
           <a:lstStyle/>
           <a:p>
             <a:r>
-              <a:rPr lang="zh-TW" altLang="en-US" sz="4000" b="1" dirty="0">
-                <a:latin typeface="Microsoft JhengHei" pitchFamily="34" charset="-120"/>
-                <a:ea typeface="Microsoft JhengHei" pitchFamily="34" charset="-120"/>
+              <a:rPr lang="zh-TW" altLang="en-US" sz="5400" b="1" i="1" dirty="0">
+                <a:solidFill>
+                  <a:srgbClr val="000066"/>
+                </a:solidFill>
+                <a:latin typeface="微軟正黑體" pitchFamily="34" charset="-120"/>
+                <a:ea typeface="微軟正黑體" pitchFamily="34" charset="-120"/>
               </a:rPr>
               <a:t>新的事將要成就</a:t>
             </a:r>
-            <a:endParaRPr lang="en-US" sz="4000" b="1" dirty="0">
-              <a:latin typeface="Microsoft JhengHei" pitchFamily="34" charset="-120"/>
-              <a:ea typeface="Microsoft JhengHei" pitchFamily="34" charset="-120"/>
-            </a:endParaRPr>
-          </a:p>
-        </p:txBody>
-      </p:sp>
-      <p:sp>
-        <p:nvSpPr>
-          <p:cNvPr id="3" name="Content Placeholder 2"/>
-          <p:cNvSpPr>
-            <a:spLocks noGrp="1"/>
-          </p:cNvSpPr>
-          <p:nvPr>
-            <p:ph idx="1"/>
-          </p:nvPr>
-        </p:nvSpPr>
-        <p:spPr>
-          <a:xfrm>
-            <a:off x="0" y="1200150"/>
-            <a:ext cx="9144000" cy="3943349"/>
-          </a:xfrm>
-        </p:spPr>
-        <p:txBody>
-          <a:bodyPr>
-            <a:normAutofit/>
-          </a:bodyPr>
-          <a:lstStyle/>
-          <a:p>
-            <a:pPr marL="0" indent="0" algn="ctr">
-              <a:buNone/>
-            </a:pPr>
-            <a:r>
-              <a:rPr lang="zh-CN" altLang="en-US" sz="4800" b="1" dirty="0">
-                <a:latin typeface="Microsoft JhengHei" pitchFamily="34" charset="-120"/>
-                <a:ea typeface="Microsoft JhengHei" pitchFamily="34" charset="-120"/>
-              </a:rPr>
-              <a:t>袮</a:t>
-            </a:r>
-            <a:r>
-              <a:rPr lang="zh-TW" altLang="en-US" sz="4800" b="1" dirty="0" smtClean="0">
-                <a:latin typeface="Microsoft JhengHei" pitchFamily="34" charset="-120"/>
-                <a:ea typeface="Microsoft JhengHei" pitchFamily="34" charset="-120"/>
-              </a:rPr>
-              <a:t>是</a:t>
-            </a:r>
-            <a:r>
-              <a:rPr lang="zh-TW" altLang="en-US" sz="4800" b="1" dirty="0">
-                <a:latin typeface="Microsoft JhengHei" pitchFamily="34" charset="-120"/>
-                <a:ea typeface="Microsoft JhengHei" pitchFamily="34" charset="-120"/>
-              </a:rPr>
-              <a:t>做新事的</a:t>
-            </a:r>
-            <a:r>
-              <a:rPr lang="zh-TW" altLang="en-US" sz="4800" b="1" dirty="0" smtClean="0">
-                <a:latin typeface="Microsoft JhengHei" pitchFamily="34" charset="-120"/>
-                <a:ea typeface="Microsoft JhengHei" pitchFamily="34" charset="-120"/>
-              </a:rPr>
-              <a:t>神</a:t>
-            </a:r>
-            <a:r>
-              <a:rPr lang="en-US" altLang="zh-TW" sz="4800" b="1" dirty="0">
-                <a:latin typeface="Microsoft JhengHei" pitchFamily="34" charset="-120"/>
-                <a:ea typeface="Microsoft JhengHei" pitchFamily="34" charset="-120"/>
-              </a:rPr>
-              <a:t> </a:t>
-            </a:r>
-            <a:r>
-              <a:rPr lang="en-US" altLang="zh-TW" sz="4800" b="1" dirty="0" smtClean="0">
-                <a:latin typeface="Microsoft JhengHei" pitchFamily="34" charset="-120"/>
-                <a:ea typeface="Microsoft JhengHei" pitchFamily="34" charset="-120"/>
-              </a:rPr>
-              <a:t> </a:t>
-            </a:r>
-          </a:p>
-          <a:p>
-            <a:pPr marL="0" indent="0" algn="ctr">
-              <a:buNone/>
-            </a:pPr>
-            <a:r>
-              <a:rPr lang="zh-TW" altLang="en-US" sz="4800" b="1" dirty="0" smtClean="0">
-                <a:latin typeface="Microsoft JhengHei" pitchFamily="34" charset="-120"/>
-                <a:ea typeface="Microsoft JhengHei" pitchFamily="34" charset="-120"/>
-              </a:rPr>
-              <a:t>我</a:t>
-            </a:r>
-            <a:r>
-              <a:rPr lang="zh-TW" altLang="en-US" sz="4800" b="1" dirty="0">
-                <a:latin typeface="Microsoft JhengHei" pitchFamily="34" charset="-120"/>
-                <a:ea typeface="Microsoft JhengHei" pitchFamily="34" charset="-120"/>
-              </a:rPr>
-              <a:t>要</a:t>
-            </a:r>
-            <a:r>
-              <a:rPr lang="zh-TW" altLang="en-US" sz="4800" b="1" dirty="0" smtClean="0">
-                <a:latin typeface="Microsoft JhengHei" pitchFamily="34" charset="-120"/>
-                <a:ea typeface="Microsoft JhengHei" pitchFamily="34" charset="-120"/>
-              </a:rPr>
-              <a:t>向</a:t>
-            </a:r>
-            <a:r>
-              <a:rPr lang="zh-CN" altLang="en-US" sz="4800" b="1" dirty="0">
-                <a:latin typeface="Microsoft JhengHei" pitchFamily="34" charset="-120"/>
-                <a:ea typeface="Microsoft JhengHei" pitchFamily="34" charset="-120"/>
-              </a:rPr>
-              <a:t>袮</a:t>
-            </a:r>
-            <a:r>
-              <a:rPr lang="zh-TW" altLang="en-US" sz="4800" b="1" dirty="0" smtClean="0">
-                <a:latin typeface="Microsoft JhengHei" pitchFamily="34" charset="-120"/>
-                <a:ea typeface="Microsoft JhengHei" pitchFamily="34" charset="-120"/>
-              </a:rPr>
-              <a:t>唱</a:t>
-            </a:r>
-            <a:r>
-              <a:rPr lang="zh-TW" altLang="en-US" sz="4800" b="1" dirty="0">
-                <a:latin typeface="Microsoft JhengHei" pitchFamily="34" charset="-120"/>
-                <a:ea typeface="Microsoft JhengHei" pitchFamily="34" charset="-120"/>
-              </a:rPr>
-              <a:t>新</a:t>
-            </a:r>
-            <a:r>
-              <a:rPr lang="zh-TW" altLang="en-US" sz="4800" b="1" dirty="0" smtClean="0">
-                <a:latin typeface="Microsoft JhengHei" pitchFamily="34" charset="-120"/>
-                <a:ea typeface="Microsoft JhengHei" pitchFamily="34" charset="-120"/>
-              </a:rPr>
-              <a:t>歌</a:t>
-            </a:r>
-            <a:endParaRPr lang="en-US" altLang="zh-TW" sz="4800" b="1" dirty="0">
-              <a:latin typeface="Microsoft JhengHei" pitchFamily="34" charset="-120"/>
-              <a:ea typeface="Microsoft JhengHei" pitchFamily="34" charset="-120"/>
-            </a:endParaRPr>
-          </a:p>
-          <a:p>
-            <a:pPr marL="0" indent="0" algn="ctr">
-              <a:buNone/>
-            </a:pPr>
-            <a:r>
-              <a:rPr lang="zh-TW" altLang="en-US" sz="4800" b="1" dirty="0" smtClean="0">
-                <a:latin typeface="Microsoft JhengHei" pitchFamily="34" charset="-120"/>
-                <a:ea typeface="Microsoft JhengHei" pitchFamily="34" charset="-120"/>
-              </a:rPr>
-              <a:t>恩</a:t>
-            </a:r>
-            <a:r>
-              <a:rPr lang="zh-TW" altLang="en-US" sz="4800" b="1" dirty="0">
-                <a:latin typeface="Microsoft JhengHei" pitchFamily="34" charset="-120"/>
-                <a:ea typeface="Microsoft JhengHei" pitchFamily="34" charset="-120"/>
-              </a:rPr>
-              <a:t>典憐憫每天都是新</a:t>
-            </a:r>
-            <a:r>
-              <a:rPr lang="zh-TW" altLang="en-US" sz="4800" b="1" dirty="0" smtClean="0">
-                <a:latin typeface="Microsoft JhengHei" pitchFamily="34" charset="-120"/>
-                <a:ea typeface="Microsoft JhengHei" pitchFamily="34" charset="-120"/>
-              </a:rPr>
-              <a:t>的</a:t>
-            </a:r>
-            <a:endParaRPr lang="en-US" altLang="zh-TW" sz="4800" b="1" dirty="0">
-              <a:latin typeface="Microsoft JhengHei" pitchFamily="34" charset="-120"/>
-              <a:ea typeface="Microsoft JhengHei" pitchFamily="34" charset="-120"/>
-            </a:endParaRPr>
-          </a:p>
-          <a:p>
-            <a:pPr marL="0" indent="0" algn="ctr">
-              <a:buNone/>
-            </a:pPr>
-            <a:r>
-              <a:rPr lang="zh-TW" altLang="en-US" sz="4800" b="1" dirty="0" smtClean="0">
-                <a:latin typeface="Microsoft JhengHei" pitchFamily="34" charset="-120"/>
-                <a:ea typeface="Microsoft JhengHei" pitchFamily="34" charset="-120"/>
-              </a:rPr>
-              <a:t>新</a:t>
-            </a:r>
-            <a:r>
-              <a:rPr lang="zh-TW" altLang="en-US" sz="4800" b="1" dirty="0">
-                <a:latin typeface="Microsoft JhengHei" pitchFamily="34" charset="-120"/>
-                <a:ea typeface="Microsoft JhengHei" pitchFamily="34" charset="-120"/>
-              </a:rPr>
-              <a:t>酒新皮袋每天要賜</a:t>
-            </a:r>
-            <a:r>
-              <a:rPr lang="zh-TW" altLang="en-US" sz="4800" b="1" dirty="0" smtClean="0">
-                <a:latin typeface="Microsoft JhengHei" pitchFamily="34" charset="-120"/>
-                <a:ea typeface="Microsoft JhengHei" pitchFamily="34" charset="-120"/>
-              </a:rPr>
-              <a:t>下</a:t>
-            </a:r>
-            <a:endParaRPr lang="en-US" sz="4800" b="1" dirty="0">
-              <a:latin typeface="Microsoft JhengHei" pitchFamily="34" charset="-120"/>
-              <a:ea typeface="Microsoft JhengHei" pitchFamily="34" charset="-120"/>
-            </a:endParaRPr>
           </a:p>
         </p:txBody>
       </p:sp>
     </p:spTree>
     <p:extLst>
       <p:ext uri="{BB962C8B-B14F-4D97-AF65-F5344CB8AC3E}">
-        <p14:creationId xmlns:p14="http://schemas.microsoft.com/office/powerpoint/2010/main" val="2051919780"/>
+        <p14:creationId xmlns:p14="http://schemas.microsoft.com/office/powerpoint/2010/main" val="3309773516"/>
       </p:ext>
     </p:extLst>
   </p:cSld>
@@ -3299,7 +3129,13 @@
   <p:cSld>
     <p:spTree>
       <p:nvGrpSpPr>
-        <p:cNvPr id="1" name=""/>
+        <p:cNvPr id="1" name="">
+          <a:extLst>
+            <a:ext uri="{FF2B5EF4-FFF2-40B4-BE49-F238E27FC236}">
+              <a16:creationId xmlns:a16="http://schemas.microsoft.com/office/drawing/2014/main" id="{AC106774-56E7-1240-4E97-06CACF223D23}"/>
+            </a:ext>
+          </a:extLst>
+        </p:cNvPr>
         <p:cNvGrpSpPr/>
         <p:nvPr/>
       </p:nvGrpSpPr>
@@ -3313,118 +3149,174 @@
       </p:grpSpPr>
       <p:sp>
         <p:nvSpPr>
-          <p:cNvPr id="2" name="Title 1"/>
-          <p:cNvSpPr>
-            <a:spLocks noGrp="1"/>
-          </p:cNvSpPr>
-          <p:nvPr>
-            <p:ph type="title"/>
-          </p:nvPr>
-        </p:nvSpPr>
-        <p:spPr/>
-        <p:txBody>
-          <a:bodyPr>
+          <p:cNvPr id="5" name="內容版面配置區 4">
+            <a:extLst>
+              <a:ext uri="{FF2B5EF4-FFF2-40B4-BE49-F238E27FC236}">
+                <a16:creationId xmlns:a16="http://schemas.microsoft.com/office/drawing/2014/main" id="{9A15F157-13FF-9EED-745C-5BC5FD0B431D}"/>
+              </a:ext>
+            </a:extLst>
+          </p:cNvPr>
+          <p:cNvSpPr>
+            <a:spLocks noGrp="1"/>
+          </p:cNvSpPr>
+          <p:nvPr>
+            <p:ph idx="1"/>
+          </p:nvPr>
+        </p:nvSpPr>
+        <p:spPr>
+          <a:xfrm>
+            <a:off x="0" y="1563639"/>
+            <a:ext cx="9144000" cy="1803647"/>
+          </a:xfrm>
+        </p:spPr>
+        <p:txBody>
+          <a:bodyPr anchor="ctr">
             <a:normAutofit/>
           </a:bodyPr>
           <a:lstStyle/>
           <a:p>
-            <a:r>
-              <a:rPr lang="zh-TW" altLang="en-US" sz="4000" b="1" dirty="0">
-                <a:latin typeface="Microsoft JhengHei" pitchFamily="34" charset="-120"/>
-                <a:ea typeface="Microsoft JhengHei" pitchFamily="34" charset="-120"/>
+            <a:pPr marL="0" indent="0" algn="ctr">
+              <a:buNone/>
+            </a:pPr>
+            <a:r>
+              <a:rPr lang="zh-CN" altLang="en-US" sz="4800" b="1" dirty="0">
+                <a:solidFill>
+                  <a:srgbClr val="000066"/>
+                </a:solidFill>
+                <a:latin typeface="微軟正黑體" pitchFamily="34" charset="-120"/>
+                <a:ea typeface="微軟正黑體" pitchFamily="34" charset="-120"/>
               </a:rPr>
-              <a:t>新的事將要成就</a:t>
-            </a:r>
-            <a:endParaRPr lang="en-US" sz="4000" b="1" dirty="0">
-              <a:latin typeface="Microsoft JhengHei" pitchFamily="34" charset="-120"/>
-              <a:ea typeface="Microsoft JhengHei" pitchFamily="34" charset="-120"/>
+              <a:t>祢</a:t>
+            </a:r>
+            <a:r>
+              <a:rPr lang="zh-TW" altLang="en-US" sz="4800" b="1" dirty="0">
+                <a:solidFill>
+                  <a:srgbClr val="000066"/>
+                </a:solidFill>
+                <a:latin typeface="微軟正黑體" pitchFamily="34" charset="-120"/>
+                <a:ea typeface="微軟正黑體" pitchFamily="34" charset="-120"/>
+              </a:rPr>
+              <a:t>是做新事的神</a:t>
+            </a:r>
+            <a:r>
+              <a:rPr lang="en-US" altLang="zh-TW" sz="4800" b="1" dirty="0">
+                <a:solidFill>
+                  <a:srgbClr val="000066"/>
+                </a:solidFill>
+                <a:latin typeface="微軟正黑體" pitchFamily="34" charset="-120"/>
+                <a:ea typeface="微軟正黑體" pitchFamily="34" charset="-120"/>
+              </a:rPr>
+              <a:t>  </a:t>
+            </a:r>
+          </a:p>
+          <a:p>
+            <a:pPr marL="0" indent="0" algn="ctr">
+              <a:buNone/>
+            </a:pPr>
+            <a:r>
+              <a:rPr lang="zh-TW" altLang="en-US" sz="4800" b="1" dirty="0">
+                <a:solidFill>
+                  <a:srgbClr val="000066"/>
+                </a:solidFill>
+                <a:latin typeface="微軟正黑體" pitchFamily="34" charset="-120"/>
+                <a:ea typeface="微軟正黑體" pitchFamily="34" charset="-120"/>
+              </a:rPr>
+              <a:t>我要向</a:t>
+            </a:r>
+            <a:r>
+              <a:rPr lang="zh-CN" altLang="en-US" sz="4800" b="1" dirty="0">
+                <a:solidFill>
+                  <a:srgbClr val="000066"/>
+                </a:solidFill>
+                <a:latin typeface="微軟正黑體" pitchFamily="34" charset="-120"/>
+                <a:ea typeface="微軟正黑體" pitchFamily="34" charset="-120"/>
+              </a:rPr>
+              <a:t>祢</a:t>
+            </a:r>
+            <a:r>
+              <a:rPr lang="zh-TW" altLang="en-US" sz="4800" b="1" dirty="0">
+                <a:solidFill>
+                  <a:srgbClr val="000066"/>
+                </a:solidFill>
+                <a:latin typeface="微軟正黑體" pitchFamily="34" charset="-120"/>
+                <a:ea typeface="微軟正黑體" pitchFamily="34" charset="-120"/>
+              </a:rPr>
+              <a:t>唱新歌</a:t>
+            </a:r>
+            <a:endParaRPr lang="en-US" altLang="zh-TW" sz="4800" b="1" dirty="0">
+              <a:solidFill>
+                <a:srgbClr val="000066"/>
+              </a:solidFill>
+              <a:latin typeface="微軟正黑體" pitchFamily="34" charset="-120"/>
+              <a:ea typeface="微軟正黑體" pitchFamily="34" charset="-120"/>
             </a:endParaRPr>
           </a:p>
         </p:txBody>
       </p:sp>
       <p:sp>
         <p:nvSpPr>
-          <p:cNvPr id="3" name="Content Placeholder 2"/>
-          <p:cNvSpPr>
-            <a:spLocks noGrp="1"/>
-          </p:cNvSpPr>
-          <p:nvPr>
-            <p:ph idx="1"/>
-          </p:nvPr>
+          <p:cNvPr id="3" name="TextBox 2">
+            <a:extLst>
+              <a:ext uri="{FF2B5EF4-FFF2-40B4-BE49-F238E27FC236}">
+                <a16:creationId xmlns:a16="http://schemas.microsoft.com/office/drawing/2014/main" id="{6479DDEE-E91F-F27A-85B1-972B889558CF}"/>
+              </a:ext>
+            </a:extLst>
+          </p:cNvPr>
+          <p:cNvSpPr txBox="1"/>
+          <p:nvPr/>
         </p:nvSpPr>
         <p:spPr>
           <a:xfrm>
-            <a:off x="0" y="1200150"/>
-            <a:ext cx="9144000" cy="3943349"/>
+            <a:off x="0" y="3795887"/>
+            <a:ext cx="9144000" cy="461665"/>
           </a:xfrm>
+          <a:prstGeom prst="rect">
+            <a:avLst/>
+          </a:prstGeom>
+          <a:noFill/>
         </p:spPr>
         <p:txBody>
-          <a:bodyPr>
-            <a:normAutofit/>
+          <a:bodyPr wrap="square" rtlCol="0">
+            <a:spAutoFit/>
           </a:bodyPr>
           <a:lstStyle/>
           <a:p>
-            <a:pPr marL="0" indent="0" algn="ctr">
-              <a:buNone/>
-            </a:pPr>
-            <a:r>
-              <a:rPr lang="zh-TW" altLang="en-US" sz="4800" b="1" dirty="0">
-                <a:latin typeface="Microsoft JhengHei" pitchFamily="34" charset="-120"/>
-                <a:ea typeface="Microsoft JhengHei" pitchFamily="34" charset="-120"/>
+            <a:pPr algn="ctr"/>
+            <a:r>
+              <a:rPr lang="en-US" sz="2400" b="1" dirty="0">
+                <a:solidFill>
+                  <a:srgbClr val="000066"/>
+                </a:solidFill>
+                <a:latin typeface="Microsoft JhengHei" panose="020B0604030504040204" pitchFamily="34" charset="-120"/>
+                <a:ea typeface="Microsoft JhengHei" panose="020B0604030504040204" pitchFamily="34" charset="-120"/>
               </a:rPr>
-              <a:t>新的事  新的事將要成就</a:t>
-            </a:r>
-            <a:endParaRPr lang="en-US" altLang="zh-TW" sz="4800" b="1" dirty="0">
-              <a:latin typeface="Microsoft JhengHei" pitchFamily="34" charset="-120"/>
-              <a:ea typeface="Microsoft JhengHei" pitchFamily="34" charset="-120"/>
-            </a:endParaRPr>
-          </a:p>
-          <a:p>
-            <a:pPr marL="0" indent="0" algn="ctr">
-              <a:buNone/>
-            </a:pPr>
-            <a:r>
-              <a:rPr lang="zh-TW" altLang="en-US" sz="4800" b="1" dirty="0">
-                <a:latin typeface="Microsoft JhengHei" pitchFamily="34" charset="-120"/>
-                <a:ea typeface="Microsoft JhengHei" pitchFamily="34" charset="-120"/>
+              <a:t>( </a:t>
+            </a:r>
+            <a:r>
+              <a:rPr lang="zh-CN" altLang="en-US" sz="2400" b="1" dirty="0">
+                <a:solidFill>
+                  <a:srgbClr val="000066"/>
+                </a:solidFill>
+                <a:latin typeface="Microsoft JhengHei" panose="020B0604030504040204" pitchFamily="34" charset="-120"/>
+                <a:ea typeface="Microsoft JhengHei" panose="020B0604030504040204" pitchFamily="34" charset="-120"/>
               </a:rPr>
-              <a:t>新的恩膏  新的恩寵</a:t>
-            </a:r>
-            <a:endParaRPr lang="en-US" altLang="zh-TW" sz="4800" b="1" dirty="0">
-              <a:latin typeface="Microsoft JhengHei" pitchFamily="34" charset="-120"/>
-              <a:ea typeface="Microsoft JhengHei" pitchFamily="34" charset="-120"/>
-            </a:endParaRPr>
-          </a:p>
-          <a:p>
-            <a:pPr marL="0" indent="0" algn="ctr">
-              <a:buNone/>
-            </a:pPr>
-            <a:r>
-              <a:rPr lang="zh-TW" altLang="en-US" sz="4800" b="1" dirty="0">
-                <a:latin typeface="Microsoft JhengHei" pitchFamily="34" charset="-120"/>
-                <a:ea typeface="Microsoft JhengHei" pitchFamily="34" charset="-120"/>
+              <a:t>正歌</a:t>
+            </a:r>
+            <a:r>
+              <a:rPr lang="en-US" sz="2400" b="1" dirty="0">
+                <a:solidFill>
+                  <a:srgbClr val="000066"/>
+                </a:solidFill>
+                <a:latin typeface="Microsoft JhengHei" panose="020B0604030504040204" pitchFamily="34" charset="-120"/>
+                <a:ea typeface="Microsoft JhengHei" panose="020B0604030504040204" pitchFamily="34" charset="-120"/>
               </a:rPr>
-              <a:t>我們要  我們要唱新歌</a:t>
-            </a:r>
-            <a:endParaRPr lang="en-US" altLang="zh-TW" sz="4800" b="1" dirty="0">
-              <a:latin typeface="Microsoft JhengHei" pitchFamily="34" charset="-120"/>
-              <a:ea typeface="Microsoft JhengHei" pitchFamily="34" charset="-120"/>
-            </a:endParaRPr>
-          </a:p>
-          <a:p>
-            <a:pPr marL="0" indent="0" algn="ctr">
-              <a:buNone/>
-            </a:pPr>
-            <a:r>
-              <a:rPr lang="zh-TW" altLang="en-US" sz="4800" b="1" dirty="0">
-                <a:latin typeface="Microsoft JhengHei" pitchFamily="34" charset="-120"/>
-                <a:ea typeface="Microsoft JhengHei" pitchFamily="34" charset="-120"/>
-              </a:rPr>
-              <a:t>稱讚我們神為高</a:t>
-            </a:r>
-            <a:endParaRPr lang="en-US" sz="4800" b="1" dirty="0">
-              <a:latin typeface="Microsoft JhengHei" pitchFamily="34" charset="-120"/>
-              <a:ea typeface="Microsoft JhengHei" pitchFamily="34" charset="-120"/>
+              <a:t> )</a:t>
+            </a:r>
+            <a:endParaRPr lang="vi-VN" sz="2400" b="1" dirty="0">
+              <a:solidFill>
+                <a:srgbClr val="000066"/>
+              </a:solidFill>
+              <a:ea typeface="Microsoft JhengHei" panose="020B0604030504040204" pitchFamily="34" charset="-120"/>
             </a:endParaRPr>
           </a:p>
         </p:txBody>
@@ -3432,7 +3324,7 @@
     </p:spTree>
     <p:extLst>
       <p:ext uri="{BB962C8B-B14F-4D97-AF65-F5344CB8AC3E}">
-        <p14:creationId xmlns:p14="http://schemas.microsoft.com/office/powerpoint/2010/main" val="3847069874"/>
+        <p14:creationId xmlns:p14="http://schemas.microsoft.com/office/powerpoint/2010/main" val="2808327700"/>
       </p:ext>
     </p:extLst>
   </p:cSld>
@@ -3447,7 +3339,13 @@
   <p:cSld>
     <p:spTree>
       <p:nvGrpSpPr>
-        <p:cNvPr id="1" name=""/>
+        <p:cNvPr id="1" name="">
+          <a:extLst>
+            <a:ext uri="{FF2B5EF4-FFF2-40B4-BE49-F238E27FC236}">
+              <a16:creationId xmlns:a16="http://schemas.microsoft.com/office/drawing/2014/main" id="{F9368C33-E91C-203A-D6B3-993512545B1F}"/>
+            </a:ext>
+          </a:extLst>
+        </p:cNvPr>
         <p:cNvGrpSpPr/>
         <p:nvPr/>
       </p:nvGrpSpPr>
@@ -3461,118 +3359,141 @@
       </p:grpSpPr>
       <p:sp>
         <p:nvSpPr>
-          <p:cNvPr id="2" name="Title 1"/>
-          <p:cNvSpPr>
-            <a:spLocks noGrp="1"/>
-          </p:cNvSpPr>
-          <p:nvPr>
-            <p:ph type="title"/>
-          </p:nvPr>
-        </p:nvSpPr>
-        <p:spPr/>
-        <p:txBody>
-          <a:bodyPr>
+          <p:cNvPr id="5" name="內容版面配置區 4">
+            <a:extLst>
+              <a:ext uri="{FF2B5EF4-FFF2-40B4-BE49-F238E27FC236}">
+                <a16:creationId xmlns:a16="http://schemas.microsoft.com/office/drawing/2014/main" id="{F97F8FF9-B345-D314-8F84-3257377E06D2}"/>
+              </a:ext>
+            </a:extLst>
+          </p:cNvPr>
+          <p:cNvSpPr>
+            <a:spLocks noGrp="1"/>
+          </p:cNvSpPr>
+          <p:nvPr>
+            <p:ph idx="1"/>
+          </p:nvPr>
+        </p:nvSpPr>
+        <p:spPr>
+          <a:xfrm>
+            <a:off x="0" y="1563639"/>
+            <a:ext cx="9144000" cy="1803647"/>
+          </a:xfrm>
+        </p:spPr>
+        <p:txBody>
+          <a:bodyPr anchor="ctr">
             <a:normAutofit/>
           </a:bodyPr>
           <a:lstStyle/>
           <a:p>
-            <a:r>
-              <a:rPr lang="zh-TW" altLang="en-US" sz="4000" b="1" dirty="0">
-                <a:latin typeface="Microsoft JhengHei" pitchFamily="34" charset="-120"/>
-                <a:ea typeface="Microsoft JhengHei" pitchFamily="34" charset="-120"/>
+            <a:pPr marL="0" indent="0" algn="ctr">
+              <a:buNone/>
+            </a:pPr>
+            <a:r>
+              <a:rPr lang="zh-TW" altLang="en-US" sz="4800" b="1" dirty="0">
+                <a:solidFill>
+                  <a:srgbClr val="000066"/>
+                </a:solidFill>
+                <a:latin typeface="微軟正黑體" pitchFamily="34" charset="-120"/>
+                <a:ea typeface="微軟正黑體" pitchFamily="34" charset="-120"/>
               </a:rPr>
-              <a:t>新的事將要成就</a:t>
-            </a:r>
-            <a:endParaRPr lang="en-US" sz="4000" b="1" dirty="0">
-              <a:latin typeface="Microsoft JhengHei" pitchFamily="34" charset="-120"/>
-              <a:ea typeface="Microsoft JhengHei" pitchFamily="34" charset="-120"/>
+              <a:t>恩典憐憫每天都是新的</a:t>
+            </a:r>
+            <a:endParaRPr lang="en-US" altLang="zh-TW" sz="4800" b="1" dirty="0">
+              <a:solidFill>
+                <a:srgbClr val="000066"/>
+              </a:solidFill>
+              <a:latin typeface="微軟正黑體" pitchFamily="34" charset="-120"/>
+              <a:ea typeface="微軟正黑體" pitchFamily="34" charset="-120"/>
             </a:endParaRPr>
           </a:p>
-        </p:txBody>
-      </p:sp>
-      <p:sp>
-        <p:nvSpPr>
-          <p:cNvPr id="3" name="Content Placeholder 2"/>
-          <p:cNvSpPr>
-            <a:spLocks noGrp="1"/>
-          </p:cNvSpPr>
-          <p:nvPr>
-            <p:ph idx="1"/>
-          </p:nvPr>
+          <a:p>
+            <a:pPr marL="0" indent="0" algn="ctr">
+              <a:buNone/>
+            </a:pPr>
+            <a:r>
+              <a:rPr lang="zh-TW" altLang="en-US" sz="4800" b="1" dirty="0">
+                <a:solidFill>
+                  <a:srgbClr val="000066"/>
+                </a:solidFill>
+                <a:latin typeface="微軟正黑體" pitchFamily="34" charset="-120"/>
+                <a:ea typeface="微軟正黑體" pitchFamily="34" charset="-120"/>
+              </a:rPr>
+              <a:t>新酒新皮袋每天要賜下</a:t>
+            </a:r>
+            <a:endParaRPr lang="en-US" sz="4800" b="1" dirty="0">
+              <a:solidFill>
+                <a:srgbClr val="000066"/>
+              </a:solidFill>
+              <a:latin typeface="微軟正黑體" pitchFamily="34" charset="-120"/>
+              <a:ea typeface="微軟正黑體" pitchFamily="34" charset="-120"/>
+            </a:endParaRPr>
+          </a:p>
+        </p:txBody>
+      </p:sp>
+      <p:sp>
+        <p:nvSpPr>
+          <p:cNvPr id="3" name="TextBox 2">
+            <a:extLst>
+              <a:ext uri="{FF2B5EF4-FFF2-40B4-BE49-F238E27FC236}">
+                <a16:creationId xmlns:a16="http://schemas.microsoft.com/office/drawing/2014/main" id="{4D81C1F5-BD3F-8512-D5E8-571F4719AE06}"/>
+              </a:ext>
+            </a:extLst>
+          </p:cNvPr>
+          <p:cNvSpPr txBox="1"/>
+          <p:nvPr/>
         </p:nvSpPr>
         <p:spPr>
           <a:xfrm>
-            <a:off x="0" y="1200150"/>
-            <a:ext cx="9144000" cy="3943349"/>
+            <a:off x="0" y="3795887"/>
+            <a:ext cx="9144000" cy="461665"/>
           </a:xfrm>
+          <a:prstGeom prst="rect">
+            <a:avLst/>
+          </a:prstGeom>
+          <a:noFill/>
         </p:spPr>
         <p:txBody>
-          <a:bodyPr>
-            <a:normAutofit/>
+          <a:bodyPr wrap="square" rtlCol="0">
+            <a:spAutoFit/>
           </a:bodyPr>
           <a:lstStyle/>
           <a:p>
-            <a:pPr marL="0" indent="0" algn="ctr">
-              <a:buNone/>
-            </a:pPr>
-            <a:r>
-              <a:rPr lang="zh-TW" altLang="en-US" sz="4800" b="1" dirty="0">
-                <a:latin typeface="Microsoft JhengHei" pitchFamily="34" charset="-120"/>
-                <a:ea typeface="Microsoft JhengHei" pitchFamily="34" charset="-120"/>
+            <a:pPr algn="ctr"/>
+            <a:r>
+              <a:rPr lang="en-US" sz="2400" b="1" dirty="0">
+                <a:solidFill>
+                  <a:srgbClr val="000066"/>
+                </a:solidFill>
+                <a:latin typeface="Microsoft JhengHei" panose="020B0604030504040204" pitchFamily="34" charset="-120"/>
+                <a:ea typeface="Microsoft JhengHei" panose="020B0604030504040204" pitchFamily="34" charset="-120"/>
               </a:rPr>
-              <a:t>新的事  新的事將要成就</a:t>
-            </a:r>
-            <a:endParaRPr lang="en-US" altLang="zh-TW" sz="4800" b="1" dirty="0">
-              <a:latin typeface="Microsoft JhengHei" pitchFamily="34" charset="-120"/>
-              <a:ea typeface="Microsoft JhengHei" pitchFamily="34" charset="-120"/>
-            </a:endParaRPr>
-          </a:p>
-          <a:p>
-            <a:pPr marL="0" indent="0" algn="ctr">
-              <a:buNone/>
-            </a:pPr>
-            <a:r>
-              <a:rPr lang="zh-TW" altLang="en-US" sz="4800" b="1" dirty="0">
-                <a:latin typeface="Microsoft JhengHei" pitchFamily="34" charset="-120"/>
-                <a:ea typeface="Microsoft JhengHei" pitchFamily="34" charset="-120"/>
+              <a:t>( </a:t>
+            </a:r>
+            <a:r>
+              <a:rPr lang="zh-CN" altLang="en-US" sz="2400" b="1" dirty="0">
+                <a:solidFill>
+                  <a:srgbClr val="000066"/>
+                </a:solidFill>
+                <a:latin typeface="Microsoft JhengHei" panose="020B0604030504040204" pitchFamily="34" charset="-120"/>
+                <a:ea typeface="Microsoft JhengHei" panose="020B0604030504040204" pitchFamily="34" charset="-120"/>
               </a:rPr>
-              <a:t>新的恩典  新的盼望</a:t>
-            </a:r>
-            <a:endParaRPr lang="en-US" altLang="zh-TW" sz="4800" b="1" dirty="0">
-              <a:latin typeface="Microsoft JhengHei" pitchFamily="34" charset="-120"/>
-              <a:ea typeface="Microsoft JhengHei" pitchFamily="34" charset="-120"/>
-            </a:endParaRPr>
-          </a:p>
-          <a:p>
-            <a:pPr marL="0" indent="0" algn="ctr">
-              <a:buNone/>
-            </a:pPr>
-            <a:r>
-              <a:rPr lang="zh-TW" altLang="en-US" sz="4800" b="1" dirty="0">
-                <a:latin typeface="Microsoft JhengHei" pitchFamily="34" charset="-120"/>
-                <a:ea typeface="Microsoft JhengHei" pitchFamily="34" charset="-120"/>
+              <a:t>正歌</a:t>
+            </a:r>
+            <a:r>
+              <a:rPr lang="en-US" sz="2400" b="1" dirty="0">
+                <a:solidFill>
+                  <a:srgbClr val="000066"/>
+                </a:solidFill>
+                <a:latin typeface="Microsoft JhengHei" panose="020B0604030504040204" pitchFamily="34" charset="-120"/>
+                <a:ea typeface="Microsoft JhengHei" panose="020B0604030504040204" pitchFamily="34" charset="-120"/>
               </a:rPr>
-              <a:t>我們要  我們要唱新歌</a:t>
-            </a:r>
-            <a:endParaRPr lang="en-US" altLang="zh-TW" sz="4800" b="1" dirty="0">
-              <a:latin typeface="Microsoft JhengHei" pitchFamily="34" charset="-120"/>
-              <a:ea typeface="Microsoft JhengHei" pitchFamily="34" charset="-120"/>
-            </a:endParaRPr>
-          </a:p>
-          <a:p>
-            <a:pPr marL="0" indent="0" algn="ctr">
-              <a:buNone/>
-            </a:pPr>
-            <a:r>
-              <a:rPr lang="zh-TW" altLang="en-US" sz="4800" b="1" dirty="0">
-                <a:latin typeface="Microsoft JhengHei" pitchFamily="34" charset="-120"/>
-                <a:ea typeface="Microsoft JhengHei" pitchFamily="34" charset="-120"/>
-              </a:rPr>
-              <a:t>充滿神的榮耀</a:t>
-            </a:r>
-            <a:endParaRPr lang="en-US" sz="4800" b="1" dirty="0">
-              <a:latin typeface="Microsoft JhengHei" pitchFamily="34" charset="-120"/>
-              <a:ea typeface="Microsoft JhengHei" pitchFamily="34" charset="-120"/>
+              <a:t> )</a:t>
+            </a:r>
+            <a:endParaRPr lang="vi-VN" sz="2400" b="1" dirty="0">
+              <a:solidFill>
+                <a:srgbClr val="000066"/>
+              </a:solidFill>
+              <a:ea typeface="Microsoft JhengHei" panose="020B0604030504040204" pitchFamily="34" charset="-120"/>
             </a:endParaRPr>
           </a:p>
         </p:txBody>
@@ -3580,7 +3501,715 @@
     </p:spTree>
     <p:extLst>
       <p:ext uri="{BB962C8B-B14F-4D97-AF65-F5344CB8AC3E}">
-        <p14:creationId xmlns:p14="http://schemas.microsoft.com/office/powerpoint/2010/main" val="1725806412"/>
+        <p14:creationId xmlns:p14="http://schemas.microsoft.com/office/powerpoint/2010/main" val="2284987449"/>
+      </p:ext>
+    </p:extLst>
+  </p:cSld>
+  <p:clrMapOvr>
+    <a:masterClrMapping/>
+  </p:clrMapOvr>
+</p:sld>
+</file>
+
+<file path=ppt/slides/slide4.xml><?xml version="1.0" encoding="utf-8"?>
+<p:sld xmlns:a="http://schemas.openxmlformats.org/drawingml/2006/main" xmlns:r="http://schemas.openxmlformats.org/officeDocument/2006/relationships" xmlns:p="http://schemas.openxmlformats.org/presentationml/2006/main">
+  <p:cSld>
+    <p:spTree>
+      <p:nvGrpSpPr>
+        <p:cNvPr id="1" name="">
+          <a:extLst>
+            <a:ext uri="{FF2B5EF4-FFF2-40B4-BE49-F238E27FC236}">
+              <a16:creationId xmlns:a16="http://schemas.microsoft.com/office/drawing/2014/main" id="{EFEADFE6-BE00-205D-AEF1-7B0998CD7409}"/>
+            </a:ext>
+          </a:extLst>
+        </p:cNvPr>
+        <p:cNvGrpSpPr/>
+        <p:nvPr/>
+      </p:nvGrpSpPr>
+      <p:grpSpPr>
+        <a:xfrm>
+          <a:off x="0" y="0"/>
+          <a:ext cx="0" cy="0"/>
+          <a:chOff x="0" y="0"/>
+          <a:chExt cx="0" cy="0"/>
+        </a:xfrm>
+      </p:grpSpPr>
+      <p:sp>
+        <p:nvSpPr>
+          <p:cNvPr id="5" name="內容版面配置區 4">
+            <a:extLst>
+              <a:ext uri="{FF2B5EF4-FFF2-40B4-BE49-F238E27FC236}">
+                <a16:creationId xmlns:a16="http://schemas.microsoft.com/office/drawing/2014/main" id="{BF079BA1-9118-A039-2B2C-706BB9FC3C0D}"/>
+              </a:ext>
+            </a:extLst>
+          </p:cNvPr>
+          <p:cNvSpPr>
+            <a:spLocks noGrp="1"/>
+          </p:cNvSpPr>
+          <p:nvPr>
+            <p:ph idx="1"/>
+          </p:nvPr>
+        </p:nvSpPr>
+        <p:spPr>
+          <a:xfrm>
+            <a:off x="0" y="1563639"/>
+            <a:ext cx="9144000" cy="1803647"/>
+          </a:xfrm>
+        </p:spPr>
+        <p:txBody>
+          <a:bodyPr anchor="ctr">
+            <a:normAutofit/>
+          </a:bodyPr>
+          <a:lstStyle/>
+          <a:p>
+            <a:pPr marL="0" indent="0" algn="ctr">
+              <a:buNone/>
+            </a:pPr>
+            <a:r>
+              <a:rPr lang="zh-TW" altLang="en-US" sz="4800" b="1" dirty="0">
+                <a:solidFill>
+                  <a:srgbClr val="000066"/>
+                </a:solidFill>
+                <a:latin typeface="微軟正黑體" pitchFamily="34" charset="-120"/>
+                <a:ea typeface="微軟正黑體" pitchFamily="34" charset="-120"/>
+              </a:rPr>
+              <a:t>新的事  新的事將要成就</a:t>
+            </a:r>
+            <a:endParaRPr lang="en-US" altLang="zh-TW" sz="4800" b="1" dirty="0">
+              <a:solidFill>
+                <a:srgbClr val="000066"/>
+              </a:solidFill>
+              <a:latin typeface="微軟正黑體" pitchFamily="34" charset="-120"/>
+              <a:ea typeface="微軟正黑體" pitchFamily="34" charset="-120"/>
+            </a:endParaRPr>
+          </a:p>
+          <a:p>
+            <a:pPr marL="0" indent="0" algn="ctr">
+              <a:buNone/>
+            </a:pPr>
+            <a:r>
+              <a:rPr lang="zh-TW" altLang="en-US" sz="4800" b="1" dirty="0">
+                <a:solidFill>
+                  <a:srgbClr val="000066"/>
+                </a:solidFill>
+                <a:latin typeface="微軟正黑體" pitchFamily="34" charset="-120"/>
+                <a:ea typeface="微軟正黑體" pitchFamily="34" charset="-120"/>
+              </a:rPr>
+              <a:t>新的恩膏  新的恩寵</a:t>
+            </a:r>
+            <a:endParaRPr lang="en-US" altLang="zh-TW" sz="4800" b="1" dirty="0">
+              <a:solidFill>
+                <a:srgbClr val="000066"/>
+              </a:solidFill>
+              <a:latin typeface="微軟正黑體" pitchFamily="34" charset="-120"/>
+              <a:ea typeface="微軟正黑體" pitchFamily="34" charset="-120"/>
+            </a:endParaRPr>
+          </a:p>
+        </p:txBody>
+      </p:sp>
+      <p:sp>
+        <p:nvSpPr>
+          <p:cNvPr id="3" name="TextBox 2">
+            <a:extLst>
+              <a:ext uri="{FF2B5EF4-FFF2-40B4-BE49-F238E27FC236}">
+                <a16:creationId xmlns:a16="http://schemas.microsoft.com/office/drawing/2014/main" id="{5C135140-AA9B-E58C-26F4-AE247009A886}"/>
+              </a:ext>
+            </a:extLst>
+          </p:cNvPr>
+          <p:cNvSpPr txBox="1"/>
+          <p:nvPr/>
+        </p:nvSpPr>
+        <p:spPr>
+          <a:xfrm>
+            <a:off x="0" y="3795887"/>
+            <a:ext cx="9144000" cy="461665"/>
+          </a:xfrm>
+          <a:prstGeom prst="rect">
+            <a:avLst/>
+          </a:prstGeom>
+          <a:noFill/>
+        </p:spPr>
+        <p:txBody>
+          <a:bodyPr wrap="square" rtlCol="0">
+            <a:spAutoFit/>
+          </a:bodyPr>
+          <a:lstStyle/>
+          <a:p>
+            <a:pPr algn="ctr"/>
+            <a:r>
+              <a:rPr lang="en-US" sz="2400" b="1" dirty="0">
+                <a:solidFill>
+                  <a:srgbClr val="000066"/>
+                </a:solidFill>
+                <a:latin typeface="Microsoft JhengHei" panose="020B0604030504040204" pitchFamily="34" charset="-120"/>
+                <a:ea typeface="Microsoft JhengHei" panose="020B0604030504040204" pitchFamily="34" charset="-120"/>
+              </a:rPr>
+              <a:t>( </a:t>
+            </a:r>
+            <a:r>
+              <a:rPr lang="zh-CN" altLang="en-US" sz="2400" b="1" dirty="0">
+                <a:solidFill>
+                  <a:srgbClr val="000066"/>
+                </a:solidFill>
+                <a:latin typeface="Microsoft JhengHei" panose="020B0604030504040204" pitchFamily="34" charset="-120"/>
+                <a:ea typeface="Microsoft JhengHei" panose="020B0604030504040204" pitchFamily="34" charset="-120"/>
+              </a:rPr>
+              <a:t>副歌</a:t>
+            </a:r>
+            <a:r>
+              <a:rPr lang="en-US" sz="2400" b="1" dirty="0">
+                <a:solidFill>
+                  <a:srgbClr val="000066"/>
+                </a:solidFill>
+                <a:latin typeface="Microsoft JhengHei" panose="020B0604030504040204" pitchFamily="34" charset="-120"/>
+                <a:ea typeface="Microsoft JhengHei" panose="020B0604030504040204" pitchFamily="34" charset="-120"/>
+              </a:rPr>
+              <a:t> )</a:t>
+            </a:r>
+            <a:endParaRPr lang="vi-VN" sz="2400" b="1" dirty="0">
+              <a:solidFill>
+                <a:srgbClr val="000066"/>
+              </a:solidFill>
+              <a:ea typeface="Microsoft JhengHei" panose="020B0604030504040204" pitchFamily="34" charset="-120"/>
+            </a:endParaRPr>
+          </a:p>
+        </p:txBody>
+      </p:sp>
+    </p:spTree>
+    <p:extLst>
+      <p:ext uri="{BB962C8B-B14F-4D97-AF65-F5344CB8AC3E}">
+        <p14:creationId xmlns:p14="http://schemas.microsoft.com/office/powerpoint/2010/main" val="360879671"/>
+      </p:ext>
+    </p:extLst>
+  </p:cSld>
+  <p:clrMapOvr>
+    <a:masterClrMapping/>
+  </p:clrMapOvr>
+</p:sld>
+</file>
+
+<file path=ppt/slides/slide5.xml><?xml version="1.0" encoding="utf-8"?>
+<p:sld xmlns:a="http://schemas.openxmlformats.org/drawingml/2006/main" xmlns:r="http://schemas.openxmlformats.org/officeDocument/2006/relationships" xmlns:p="http://schemas.openxmlformats.org/presentationml/2006/main">
+  <p:cSld>
+    <p:spTree>
+      <p:nvGrpSpPr>
+        <p:cNvPr id="1" name="">
+          <a:extLst>
+            <a:ext uri="{FF2B5EF4-FFF2-40B4-BE49-F238E27FC236}">
+              <a16:creationId xmlns:a16="http://schemas.microsoft.com/office/drawing/2014/main" id="{AC44557E-4DCA-1166-9674-4E6E86555043}"/>
+            </a:ext>
+          </a:extLst>
+        </p:cNvPr>
+        <p:cNvGrpSpPr/>
+        <p:nvPr/>
+      </p:nvGrpSpPr>
+      <p:grpSpPr>
+        <a:xfrm>
+          <a:off x="0" y="0"/>
+          <a:ext cx="0" cy="0"/>
+          <a:chOff x="0" y="0"/>
+          <a:chExt cx="0" cy="0"/>
+        </a:xfrm>
+      </p:grpSpPr>
+      <p:sp>
+        <p:nvSpPr>
+          <p:cNvPr id="5" name="內容版面配置區 4">
+            <a:extLst>
+              <a:ext uri="{FF2B5EF4-FFF2-40B4-BE49-F238E27FC236}">
+                <a16:creationId xmlns:a16="http://schemas.microsoft.com/office/drawing/2014/main" id="{0D5E03F4-9241-3AE6-7B48-2772EF88BB2C}"/>
+              </a:ext>
+            </a:extLst>
+          </p:cNvPr>
+          <p:cNvSpPr>
+            <a:spLocks noGrp="1"/>
+          </p:cNvSpPr>
+          <p:nvPr>
+            <p:ph idx="1"/>
+          </p:nvPr>
+        </p:nvSpPr>
+        <p:spPr>
+          <a:xfrm>
+            <a:off x="0" y="1563639"/>
+            <a:ext cx="9144000" cy="1803647"/>
+          </a:xfrm>
+        </p:spPr>
+        <p:txBody>
+          <a:bodyPr anchor="ctr">
+            <a:normAutofit/>
+          </a:bodyPr>
+          <a:lstStyle/>
+          <a:p>
+            <a:pPr marL="0" indent="0" algn="ctr">
+              <a:buNone/>
+            </a:pPr>
+            <a:r>
+              <a:rPr lang="zh-TW" altLang="en-US" sz="4800" b="1" dirty="0">
+                <a:solidFill>
+                  <a:srgbClr val="000066"/>
+                </a:solidFill>
+                <a:latin typeface="微軟正黑體" pitchFamily="34" charset="-120"/>
+                <a:ea typeface="微軟正黑體" pitchFamily="34" charset="-120"/>
+              </a:rPr>
+              <a:t>我們要  我們要唱新歌</a:t>
+            </a:r>
+            <a:endParaRPr lang="en-US" altLang="zh-TW" sz="4800" b="1" dirty="0">
+              <a:solidFill>
+                <a:srgbClr val="000066"/>
+              </a:solidFill>
+              <a:latin typeface="微軟正黑體" pitchFamily="34" charset="-120"/>
+              <a:ea typeface="微軟正黑體" pitchFamily="34" charset="-120"/>
+            </a:endParaRPr>
+          </a:p>
+          <a:p>
+            <a:pPr marL="0" indent="0" algn="ctr">
+              <a:buNone/>
+            </a:pPr>
+            <a:r>
+              <a:rPr lang="zh-TW" altLang="en-US" sz="4800" b="1" dirty="0">
+                <a:solidFill>
+                  <a:srgbClr val="000066"/>
+                </a:solidFill>
+                <a:latin typeface="微軟正黑體" pitchFamily="34" charset="-120"/>
+                <a:ea typeface="微軟正黑體" pitchFamily="34" charset="-120"/>
+              </a:rPr>
+              <a:t>稱讚我們神為高</a:t>
+            </a:r>
+            <a:endParaRPr lang="en-US" sz="4800" b="1" dirty="0">
+              <a:solidFill>
+                <a:srgbClr val="000066"/>
+              </a:solidFill>
+              <a:latin typeface="微軟正黑體" pitchFamily="34" charset="-120"/>
+              <a:ea typeface="微軟正黑體" pitchFamily="34" charset="-120"/>
+            </a:endParaRPr>
+          </a:p>
+        </p:txBody>
+      </p:sp>
+      <p:sp>
+        <p:nvSpPr>
+          <p:cNvPr id="3" name="TextBox 2">
+            <a:extLst>
+              <a:ext uri="{FF2B5EF4-FFF2-40B4-BE49-F238E27FC236}">
+                <a16:creationId xmlns:a16="http://schemas.microsoft.com/office/drawing/2014/main" id="{CDBCC32C-68E0-3984-3F61-02B15FAFBDDE}"/>
+              </a:ext>
+            </a:extLst>
+          </p:cNvPr>
+          <p:cNvSpPr txBox="1"/>
+          <p:nvPr/>
+        </p:nvSpPr>
+        <p:spPr>
+          <a:xfrm>
+            <a:off x="0" y="3795887"/>
+            <a:ext cx="9144000" cy="461665"/>
+          </a:xfrm>
+          <a:prstGeom prst="rect">
+            <a:avLst/>
+          </a:prstGeom>
+          <a:noFill/>
+        </p:spPr>
+        <p:txBody>
+          <a:bodyPr wrap="square" rtlCol="0">
+            <a:spAutoFit/>
+          </a:bodyPr>
+          <a:lstStyle/>
+          <a:p>
+            <a:pPr algn="ctr"/>
+            <a:r>
+              <a:rPr lang="en-US" sz="2400" b="1" dirty="0">
+                <a:solidFill>
+                  <a:srgbClr val="000066"/>
+                </a:solidFill>
+                <a:latin typeface="Microsoft JhengHei" panose="020B0604030504040204" pitchFamily="34" charset="-120"/>
+                <a:ea typeface="Microsoft JhengHei" panose="020B0604030504040204" pitchFamily="34" charset="-120"/>
+              </a:rPr>
+              <a:t>( </a:t>
+            </a:r>
+            <a:r>
+              <a:rPr lang="zh-CN" altLang="en-US" sz="2400" b="1" dirty="0">
+                <a:solidFill>
+                  <a:srgbClr val="000066"/>
+                </a:solidFill>
+                <a:latin typeface="Microsoft JhengHei" panose="020B0604030504040204" pitchFamily="34" charset="-120"/>
+                <a:ea typeface="Microsoft JhengHei" panose="020B0604030504040204" pitchFamily="34" charset="-120"/>
+              </a:rPr>
+              <a:t>副歌</a:t>
+            </a:r>
+            <a:r>
+              <a:rPr lang="en-US" sz="2400" b="1" dirty="0">
+                <a:solidFill>
+                  <a:srgbClr val="000066"/>
+                </a:solidFill>
+                <a:latin typeface="Microsoft JhengHei" panose="020B0604030504040204" pitchFamily="34" charset="-120"/>
+                <a:ea typeface="Microsoft JhengHei" panose="020B0604030504040204" pitchFamily="34" charset="-120"/>
+              </a:rPr>
+              <a:t> )</a:t>
+            </a:r>
+            <a:endParaRPr lang="vi-VN" sz="2400" b="1" dirty="0">
+              <a:solidFill>
+                <a:srgbClr val="000066"/>
+              </a:solidFill>
+              <a:ea typeface="Microsoft JhengHei" panose="020B0604030504040204" pitchFamily="34" charset="-120"/>
+            </a:endParaRPr>
+          </a:p>
+        </p:txBody>
+      </p:sp>
+    </p:spTree>
+    <p:extLst>
+      <p:ext uri="{BB962C8B-B14F-4D97-AF65-F5344CB8AC3E}">
+        <p14:creationId xmlns:p14="http://schemas.microsoft.com/office/powerpoint/2010/main" val="1840044808"/>
+      </p:ext>
+    </p:extLst>
+  </p:cSld>
+  <p:clrMapOvr>
+    <a:masterClrMapping/>
+  </p:clrMapOvr>
+</p:sld>
+</file>
+
+<file path=ppt/slides/slide6.xml><?xml version="1.0" encoding="utf-8"?>
+<p:sld xmlns:a="http://schemas.openxmlformats.org/drawingml/2006/main" xmlns:r="http://schemas.openxmlformats.org/officeDocument/2006/relationships" xmlns:p="http://schemas.openxmlformats.org/presentationml/2006/main">
+  <p:cSld>
+    <p:spTree>
+      <p:nvGrpSpPr>
+        <p:cNvPr id="1" name="">
+          <a:extLst>
+            <a:ext uri="{FF2B5EF4-FFF2-40B4-BE49-F238E27FC236}">
+              <a16:creationId xmlns:a16="http://schemas.microsoft.com/office/drawing/2014/main" id="{E4CE91F4-5AE3-FFA3-59BE-1D6193A17E63}"/>
+            </a:ext>
+          </a:extLst>
+        </p:cNvPr>
+        <p:cNvGrpSpPr/>
+        <p:nvPr/>
+      </p:nvGrpSpPr>
+      <p:grpSpPr>
+        <a:xfrm>
+          <a:off x="0" y="0"/>
+          <a:ext cx="0" cy="0"/>
+          <a:chOff x="0" y="0"/>
+          <a:chExt cx="0" cy="0"/>
+        </a:xfrm>
+      </p:grpSpPr>
+      <p:sp>
+        <p:nvSpPr>
+          <p:cNvPr id="5" name="內容版面配置區 4">
+            <a:extLst>
+              <a:ext uri="{FF2B5EF4-FFF2-40B4-BE49-F238E27FC236}">
+                <a16:creationId xmlns:a16="http://schemas.microsoft.com/office/drawing/2014/main" id="{C9BFB21C-78E8-EBE8-E5E6-6F804532CF23}"/>
+              </a:ext>
+            </a:extLst>
+          </p:cNvPr>
+          <p:cNvSpPr>
+            <a:spLocks noGrp="1"/>
+          </p:cNvSpPr>
+          <p:nvPr>
+            <p:ph idx="1"/>
+          </p:nvPr>
+        </p:nvSpPr>
+        <p:spPr>
+          <a:xfrm>
+            <a:off x="0" y="1563639"/>
+            <a:ext cx="9144000" cy="1803647"/>
+          </a:xfrm>
+        </p:spPr>
+        <p:txBody>
+          <a:bodyPr anchor="ctr">
+            <a:normAutofit/>
+          </a:bodyPr>
+          <a:lstStyle/>
+          <a:p>
+            <a:pPr marL="0" indent="0" algn="ctr">
+              <a:buNone/>
+            </a:pPr>
+            <a:r>
+              <a:rPr lang="zh-TW" altLang="en-US" sz="4800" b="1" dirty="0">
+                <a:solidFill>
+                  <a:srgbClr val="000066"/>
+                </a:solidFill>
+                <a:latin typeface="微軟正黑體" pitchFamily="34" charset="-120"/>
+                <a:ea typeface="微軟正黑體" pitchFamily="34" charset="-120"/>
+              </a:rPr>
+              <a:t>新的事  新的事將要成就</a:t>
+            </a:r>
+            <a:endParaRPr lang="en-US" altLang="zh-TW" sz="4800" b="1" dirty="0">
+              <a:solidFill>
+                <a:srgbClr val="000066"/>
+              </a:solidFill>
+              <a:latin typeface="微軟正黑體" pitchFamily="34" charset="-120"/>
+              <a:ea typeface="微軟正黑體" pitchFamily="34" charset="-120"/>
+            </a:endParaRPr>
+          </a:p>
+          <a:p>
+            <a:pPr marL="0" indent="0" algn="ctr">
+              <a:buNone/>
+            </a:pPr>
+            <a:r>
+              <a:rPr lang="zh-TW" altLang="en-US" sz="4800" b="1" dirty="0">
+                <a:solidFill>
+                  <a:srgbClr val="000066"/>
+                </a:solidFill>
+                <a:latin typeface="微軟正黑體" pitchFamily="34" charset="-120"/>
+                <a:ea typeface="微軟正黑體" pitchFamily="34" charset="-120"/>
+              </a:rPr>
+              <a:t>新的恩典  新的盼望</a:t>
+            </a:r>
+            <a:endParaRPr lang="en-US" altLang="zh-TW" sz="4800" b="1" dirty="0">
+              <a:solidFill>
+                <a:srgbClr val="000066"/>
+              </a:solidFill>
+              <a:latin typeface="微軟正黑體" pitchFamily="34" charset="-120"/>
+              <a:ea typeface="微軟正黑體" pitchFamily="34" charset="-120"/>
+            </a:endParaRPr>
+          </a:p>
+        </p:txBody>
+      </p:sp>
+      <p:sp>
+        <p:nvSpPr>
+          <p:cNvPr id="3" name="TextBox 2">
+            <a:extLst>
+              <a:ext uri="{FF2B5EF4-FFF2-40B4-BE49-F238E27FC236}">
+                <a16:creationId xmlns:a16="http://schemas.microsoft.com/office/drawing/2014/main" id="{EF233AD3-7B82-DFB4-1638-30CEE7CEE332}"/>
+              </a:ext>
+            </a:extLst>
+          </p:cNvPr>
+          <p:cNvSpPr txBox="1"/>
+          <p:nvPr/>
+        </p:nvSpPr>
+        <p:spPr>
+          <a:xfrm>
+            <a:off x="0" y="3795887"/>
+            <a:ext cx="9144000" cy="461665"/>
+          </a:xfrm>
+          <a:prstGeom prst="rect">
+            <a:avLst/>
+          </a:prstGeom>
+          <a:noFill/>
+        </p:spPr>
+        <p:txBody>
+          <a:bodyPr wrap="square" rtlCol="0">
+            <a:spAutoFit/>
+          </a:bodyPr>
+          <a:lstStyle/>
+          <a:p>
+            <a:pPr algn="ctr"/>
+            <a:r>
+              <a:rPr lang="en-US" sz="2400" b="1" dirty="0">
+                <a:solidFill>
+                  <a:srgbClr val="000066"/>
+                </a:solidFill>
+                <a:latin typeface="Microsoft JhengHei" panose="020B0604030504040204" pitchFamily="34" charset="-120"/>
+                <a:ea typeface="Microsoft JhengHei" panose="020B0604030504040204" pitchFamily="34" charset="-120"/>
+              </a:rPr>
+              <a:t>( </a:t>
+            </a:r>
+            <a:r>
+              <a:rPr lang="zh-CN" altLang="en-US" sz="2400" b="1" dirty="0">
+                <a:solidFill>
+                  <a:srgbClr val="000066"/>
+                </a:solidFill>
+                <a:latin typeface="Microsoft JhengHei" panose="020B0604030504040204" pitchFamily="34" charset="-120"/>
+                <a:ea typeface="Microsoft JhengHei" panose="020B0604030504040204" pitchFamily="34" charset="-120"/>
+              </a:rPr>
+              <a:t>副歌</a:t>
+            </a:r>
+            <a:r>
+              <a:rPr lang="en-US" sz="2400" b="1" dirty="0">
+                <a:solidFill>
+                  <a:srgbClr val="000066"/>
+                </a:solidFill>
+                <a:latin typeface="Microsoft JhengHei" panose="020B0604030504040204" pitchFamily="34" charset="-120"/>
+                <a:ea typeface="Microsoft JhengHei" panose="020B0604030504040204" pitchFamily="34" charset="-120"/>
+              </a:rPr>
+              <a:t> )</a:t>
+            </a:r>
+            <a:endParaRPr lang="vi-VN" sz="2400" b="1" dirty="0">
+              <a:solidFill>
+                <a:srgbClr val="000066"/>
+              </a:solidFill>
+              <a:ea typeface="Microsoft JhengHei" panose="020B0604030504040204" pitchFamily="34" charset="-120"/>
+            </a:endParaRPr>
+          </a:p>
+        </p:txBody>
+      </p:sp>
+    </p:spTree>
+    <p:extLst>
+      <p:ext uri="{BB962C8B-B14F-4D97-AF65-F5344CB8AC3E}">
+        <p14:creationId xmlns:p14="http://schemas.microsoft.com/office/powerpoint/2010/main" val="1789716485"/>
+      </p:ext>
+    </p:extLst>
+  </p:cSld>
+  <p:clrMapOvr>
+    <a:masterClrMapping/>
+  </p:clrMapOvr>
+</p:sld>
+</file>
+
+<file path=ppt/slides/slide7.xml><?xml version="1.0" encoding="utf-8"?>
+<p:sld xmlns:a="http://schemas.openxmlformats.org/drawingml/2006/main" xmlns:r="http://schemas.openxmlformats.org/officeDocument/2006/relationships" xmlns:p="http://schemas.openxmlformats.org/presentationml/2006/main">
+  <p:cSld>
+    <p:spTree>
+      <p:nvGrpSpPr>
+        <p:cNvPr id="1" name="">
+          <a:extLst>
+            <a:ext uri="{FF2B5EF4-FFF2-40B4-BE49-F238E27FC236}">
+              <a16:creationId xmlns:a16="http://schemas.microsoft.com/office/drawing/2014/main" id="{3A0A51A7-8F4B-6687-5548-D4A5F3AFA45A}"/>
+            </a:ext>
+          </a:extLst>
+        </p:cNvPr>
+        <p:cNvGrpSpPr/>
+        <p:nvPr/>
+      </p:nvGrpSpPr>
+      <p:grpSpPr>
+        <a:xfrm>
+          <a:off x="0" y="0"/>
+          <a:ext cx="0" cy="0"/>
+          <a:chOff x="0" y="0"/>
+          <a:chExt cx="0" cy="0"/>
+        </a:xfrm>
+      </p:grpSpPr>
+      <p:sp>
+        <p:nvSpPr>
+          <p:cNvPr id="5" name="內容版面配置區 4">
+            <a:extLst>
+              <a:ext uri="{FF2B5EF4-FFF2-40B4-BE49-F238E27FC236}">
+                <a16:creationId xmlns:a16="http://schemas.microsoft.com/office/drawing/2014/main" id="{A469DB0C-50F5-3641-0327-B30EE99A44B0}"/>
+              </a:ext>
+            </a:extLst>
+          </p:cNvPr>
+          <p:cNvSpPr>
+            <a:spLocks noGrp="1"/>
+          </p:cNvSpPr>
+          <p:nvPr>
+            <p:ph idx="1"/>
+          </p:nvPr>
+        </p:nvSpPr>
+        <p:spPr>
+          <a:xfrm>
+            <a:off x="0" y="1563639"/>
+            <a:ext cx="9144000" cy="1803647"/>
+          </a:xfrm>
+        </p:spPr>
+        <p:txBody>
+          <a:bodyPr anchor="ctr">
+            <a:normAutofit/>
+          </a:bodyPr>
+          <a:lstStyle/>
+          <a:p>
+            <a:pPr marL="0" indent="0" algn="ctr">
+              <a:buNone/>
+            </a:pPr>
+            <a:r>
+              <a:rPr lang="zh-TW" altLang="en-US" sz="4800" b="1" dirty="0">
+                <a:solidFill>
+                  <a:srgbClr val="000066"/>
+                </a:solidFill>
+                <a:latin typeface="微軟正黑體" pitchFamily="34" charset="-120"/>
+                <a:ea typeface="微軟正黑體" pitchFamily="34" charset="-120"/>
+              </a:rPr>
+              <a:t>我們要  我們要唱新歌</a:t>
+            </a:r>
+            <a:endParaRPr lang="en-US" altLang="zh-TW" sz="4800" b="1" dirty="0">
+              <a:solidFill>
+                <a:srgbClr val="000066"/>
+              </a:solidFill>
+              <a:latin typeface="微軟正黑體" pitchFamily="34" charset="-120"/>
+              <a:ea typeface="微軟正黑體" pitchFamily="34" charset="-120"/>
+            </a:endParaRPr>
+          </a:p>
+          <a:p>
+            <a:pPr marL="0" indent="0" algn="ctr">
+              <a:buNone/>
+            </a:pPr>
+            <a:r>
+              <a:rPr lang="zh-TW" altLang="en-US" sz="4800" b="1" dirty="0">
+                <a:solidFill>
+                  <a:srgbClr val="000066"/>
+                </a:solidFill>
+                <a:latin typeface="微軟正黑體" pitchFamily="34" charset="-120"/>
+                <a:ea typeface="微軟正黑體" pitchFamily="34" charset="-120"/>
+              </a:rPr>
+              <a:t>充滿神的榮耀</a:t>
+            </a:r>
+            <a:endParaRPr lang="en-US" sz="4800" b="1" dirty="0">
+              <a:solidFill>
+                <a:srgbClr val="000066"/>
+              </a:solidFill>
+              <a:latin typeface="微軟正黑體" pitchFamily="34" charset="-120"/>
+              <a:ea typeface="微軟正黑體" pitchFamily="34" charset="-120"/>
+            </a:endParaRPr>
+          </a:p>
+        </p:txBody>
+      </p:sp>
+      <p:sp>
+        <p:nvSpPr>
+          <p:cNvPr id="3" name="TextBox 2">
+            <a:extLst>
+              <a:ext uri="{FF2B5EF4-FFF2-40B4-BE49-F238E27FC236}">
+                <a16:creationId xmlns:a16="http://schemas.microsoft.com/office/drawing/2014/main" id="{B8A4510C-0E8E-B2E6-BA1C-8CE4179C3A1E}"/>
+              </a:ext>
+            </a:extLst>
+          </p:cNvPr>
+          <p:cNvSpPr txBox="1"/>
+          <p:nvPr/>
+        </p:nvSpPr>
+        <p:spPr>
+          <a:xfrm>
+            <a:off x="0" y="3795887"/>
+            <a:ext cx="9144000" cy="461665"/>
+          </a:xfrm>
+          <a:prstGeom prst="rect">
+            <a:avLst/>
+          </a:prstGeom>
+          <a:noFill/>
+        </p:spPr>
+        <p:txBody>
+          <a:bodyPr wrap="square" rtlCol="0">
+            <a:spAutoFit/>
+          </a:bodyPr>
+          <a:lstStyle/>
+          <a:p>
+            <a:pPr algn="ctr"/>
+            <a:r>
+              <a:rPr lang="en-US" sz="2400" b="1" dirty="0">
+                <a:solidFill>
+                  <a:srgbClr val="000066"/>
+                </a:solidFill>
+                <a:latin typeface="Microsoft JhengHei" panose="020B0604030504040204" pitchFamily="34" charset="-120"/>
+                <a:ea typeface="Microsoft JhengHei" panose="020B0604030504040204" pitchFamily="34" charset="-120"/>
+              </a:rPr>
+              <a:t>( </a:t>
+            </a:r>
+            <a:r>
+              <a:rPr lang="zh-CN" altLang="en-US" sz="2400" b="1" dirty="0">
+                <a:solidFill>
+                  <a:srgbClr val="000066"/>
+                </a:solidFill>
+                <a:latin typeface="Microsoft JhengHei" panose="020B0604030504040204" pitchFamily="34" charset="-120"/>
+                <a:ea typeface="Microsoft JhengHei" panose="020B0604030504040204" pitchFamily="34" charset="-120"/>
+              </a:rPr>
+              <a:t>副歌</a:t>
+            </a:r>
+            <a:r>
+              <a:rPr lang="en-US" sz="2400" b="1" dirty="0">
+                <a:solidFill>
+                  <a:srgbClr val="000066"/>
+                </a:solidFill>
+                <a:latin typeface="Microsoft JhengHei" panose="020B0604030504040204" pitchFamily="34" charset="-120"/>
+                <a:ea typeface="Microsoft JhengHei" panose="020B0604030504040204" pitchFamily="34" charset="-120"/>
+              </a:rPr>
+              <a:t> )</a:t>
+            </a:r>
+            <a:endParaRPr lang="vi-VN" sz="2400" b="1" dirty="0">
+              <a:solidFill>
+                <a:srgbClr val="000066"/>
+              </a:solidFill>
+              <a:ea typeface="Microsoft JhengHei" panose="020B0604030504040204" pitchFamily="34" charset="-120"/>
+            </a:endParaRPr>
+          </a:p>
+        </p:txBody>
+      </p:sp>
+    </p:spTree>
+    <p:extLst>
+      <p:ext uri="{BB962C8B-B14F-4D97-AF65-F5344CB8AC3E}">
+        <p14:creationId xmlns:p14="http://schemas.microsoft.com/office/powerpoint/2010/main" val="2983083533"/>
       </p:ext>
     </p:extLst>
   </p:cSld>
